--- a/Hilfe Tipps Tricks Erklkärungen.pptx
+++ b/Hilfe Tipps Tricks Erklkärungen.pptx
@@ -5,37 +5,43 @@
     <p:sldMasterId id="2147483648" r:id="rId1"/>
   </p:sldMasterIdLst>
   <p:notesMasterIdLst>
-    <p:notesMasterId r:id="rId30"/>
+    <p:notesMasterId r:id="rId36"/>
   </p:notesMasterIdLst>
   <p:sldIdLst>
     <p:sldId id="256" r:id="rId2"/>
     <p:sldId id="282" r:id="rId3"/>
     <p:sldId id="262" r:id="rId4"/>
     <p:sldId id="261" r:id="rId5"/>
-    <p:sldId id="281" r:id="rId6"/>
-    <p:sldId id="263" r:id="rId7"/>
-    <p:sldId id="283" r:id="rId8"/>
-    <p:sldId id="264" r:id="rId9"/>
-    <p:sldId id="265" r:id="rId10"/>
-    <p:sldId id="266" r:id="rId11"/>
-    <p:sldId id="267" r:id="rId12"/>
-    <p:sldId id="268" r:id="rId13"/>
-    <p:sldId id="269" r:id="rId14"/>
-    <p:sldId id="270" r:id="rId15"/>
-    <p:sldId id="271" r:id="rId16"/>
-    <p:sldId id="272" r:id="rId17"/>
-    <p:sldId id="273" r:id="rId18"/>
-    <p:sldId id="274" r:id="rId19"/>
-    <p:sldId id="280" r:id="rId20"/>
-    <p:sldId id="278" r:id="rId21"/>
-    <p:sldId id="257" r:id="rId22"/>
-    <p:sldId id="275" r:id="rId23"/>
-    <p:sldId id="276" r:id="rId24"/>
-    <p:sldId id="258" r:id="rId25"/>
-    <p:sldId id="277" r:id="rId26"/>
-    <p:sldId id="259" r:id="rId27"/>
-    <p:sldId id="260" r:id="rId28"/>
-    <p:sldId id="279" r:id="rId29"/>
+    <p:sldId id="263" r:id="rId6"/>
+    <p:sldId id="283" r:id="rId7"/>
+    <p:sldId id="281" r:id="rId8"/>
+    <p:sldId id="284" r:id="rId9"/>
+    <p:sldId id="285" r:id="rId10"/>
+    <p:sldId id="287" r:id="rId11"/>
+    <p:sldId id="289" r:id="rId12"/>
+    <p:sldId id="288" r:id="rId13"/>
+    <p:sldId id="286" r:id="rId14"/>
+    <p:sldId id="264" r:id="rId15"/>
+    <p:sldId id="265" r:id="rId16"/>
+    <p:sldId id="266" r:id="rId17"/>
+    <p:sldId id="267" r:id="rId18"/>
+    <p:sldId id="268" r:id="rId19"/>
+    <p:sldId id="269" r:id="rId20"/>
+    <p:sldId id="270" r:id="rId21"/>
+    <p:sldId id="271" r:id="rId22"/>
+    <p:sldId id="272" r:id="rId23"/>
+    <p:sldId id="273" r:id="rId24"/>
+    <p:sldId id="274" r:id="rId25"/>
+    <p:sldId id="280" r:id="rId26"/>
+    <p:sldId id="278" r:id="rId27"/>
+    <p:sldId id="257" r:id="rId28"/>
+    <p:sldId id="275" r:id="rId29"/>
+    <p:sldId id="276" r:id="rId30"/>
+    <p:sldId id="258" r:id="rId31"/>
+    <p:sldId id="277" r:id="rId32"/>
+    <p:sldId id="259" r:id="rId33"/>
+    <p:sldId id="260" r:id="rId34"/>
+    <p:sldId id="279" r:id="rId35"/>
   </p:sldIdLst>
   <p:sldSz cx="12192000" cy="6858000"/>
   <p:notesSz cx="6858000" cy="9144000"/>
@@ -224,7 +230,7 @@
           <a:p>
             <a:fld id="{B96D0DE3-3FFA-4125-A712-D76E97393908}" type="datetimeFigureOut">
               <a:rPr lang="de-DE" smtClean="0"/>
-              <a:t>29.09.2021</a:t>
+              <a:t>26.10.2021</a:t>
             </a:fld>
             <a:endParaRPr lang="de-DE"/>
           </a:p>
@@ -643,7 +649,7 @@
           <a:p>
             <a:fld id="{D936796B-038C-42DF-92F6-E04F4EDA0FD8}" type="slidenum">
               <a:rPr lang="de-DE" smtClean="0"/>
-              <a:t>6</a:t>
+              <a:t>5</a:t>
             </a:fld>
             <a:endParaRPr lang="de-DE"/>
           </a:p>
@@ -730,7 +736,7 @@
           <a:p>
             <a:fld id="{D936796B-038C-42DF-92F6-E04F4EDA0FD8}" type="slidenum">
               <a:rPr lang="de-DE" smtClean="0"/>
-              <a:t>7</a:t>
+              <a:t>6</a:t>
             </a:fld>
             <a:endParaRPr lang="de-DE"/>
           </a:p>
@@ -991,7 +997,7 @@
           <a:p>
             <a:fld id="{D936796B-038C-42DF-92F6-E04F4EDA0FD8}" type="slidenum">
               <a:rPr lang="de-DE" smtClean="0"/>
-              <a:t>11</a:t>
+              <a:t>17</a:t>
             </a:fld>
             <a:endParaRPr lang="de-DE"/>
           </a:p>
@@ -1094,7 +1100,7 @@
           <a:p>
             <a:fld id="{D936796B-038C-42DF-92F6-E04F4EDA0FD8}" type="slidenum">
               <a:rPr lang="de-DE" smtClean="0"/>
-              <a:t>13</a:t>
+              <a:t>19</a:t>
             </a:fld>
             <a:endParaRPr lang="de-DE"/>
           </a:p>
@@ -1260,7 +1266,7 @@
           <a:p>
             <a:fld id="{7801F0F5-592D-43A4-AACE-76A0FBD1B6BC}" type="datetimeFigureOut">
               <a:rPr lang="de-DE" smtClean="0"/>
-              <a:t>29.09.2021</a:t>
+              <a:t>26.10.2021</a:t>
             </a:fld>
             <a:endParaRPr lang="de-DE"/>
           </a:p>
@@ -1458,7 +1464,7 @@
           <a:p>
             <a:fld id="{7801F0F5-592D-43A4-AACE-76A0FBD1B6BC}" type="datetimeFigureOut">
               <a:rPr lang="de-DE" smtClean="0"/>
-              <a:t>29.09.2021</a:t>
+              <a:t>26.10.2021</a:t>
             </a:fld>
             <a:endParaRPr lang="de-DE"/>
           </a:p>
@@ -1666,7 +1672,7 @@
           <a:p>
             <a:fld id="{7801F0F5-592D-43A4-AACE-76A0FBD1B6BC}" type="datetimeFigureOut">
               <a:rPr lang="de-DE" smtClean="0"/>
-              <a:t>29.09.2021</a:t>
+              <a:t>26.10.2021</a:t>
             </a:fld>
             <a:endParaRPr lang="de-DE"/>
           </a:p>
@@ -1864,7 +1870,7 @@
           <a:p>
             <a:fld id="{7801F0F5-592D-43A4-AACE-76A0FBD1B6BC}" type="datetimeFigureOut">
               <a:rPr lang="de-DE" smtClean="0"/>
-              <a:t>29.09.2021</a:t>
+              <a:t>26.10.2021</a:t>
             </a:fld>
             <a:endParaRPr lang="de-DE"/>
           </a:p>
@@ -2139,7 +2145,7 @@
           <a:p>
             <a:fld id="{7801F0F5-592D-43A4-AACE-76A0FBD1B6BC}" type="datetimeFigureOut">
               <a:rPr lang="de-DE" smtClean="0"/>
-              <a:t>29.09.2021</a:t>
+              <a:t>26.10.2021</a:t>
             </a:fld>
             <a:endParaRPr lang="de-DE"/>
           </a:p>
@@ -2404,7 +2410,7 @@
           <a:p>
             <a:fld id="{7801F0F5-592D-43A4-AACE-76A0FBD1B6BC}" type="datetimeFigureOut">
               <a:rPr lang="de-DE" smtClean="0"/>
-              <a:t>29.09.2021</a:t>
+              <a:t>26.10.2021</a:t>
             </a:fld>
             <a:endParaRPr lang="de-DE"/>
           </a:p>
@@ -2816,7 +2822,7 @@
           <a:p>
             <a:fld id="{7801F0F5-592D-43A4-AACE-76A0FBD1B6BC}" type="datetimeFigureOut">
               <a:rPr lang="de-DE" smtClean="0"/>
-              <a:t>29.09.2021</a:t>
+              <a:t>26.10.2021</a:t>
             </a:fld>
             <a:endParaRPr lang="de-DE"/>
           </a:p>
@@ -2957,7 +2963,7 @@
           <a:p>
             <a:fld id="{7801F0F5-592D-43A4-AACE-76A0FBD1B6BC}" type="datetimeFigureOut">
               <a:rPr lang="de-DE" smtClean="0"/>
-              <a:t>29.09.2021</a:t>
+              <a:t>26.10.2021</a:t>
             </a:fld>
             <a:endParaRPr lang="de-DE"/>
           </a:p>
@@ -3070,7 +3076,7 @@
           <a:p>
             <a:fld id="{7801F0F5-592D-43A4-AACE-76A0FBD1B6BC}" type="datetimeFigureOut">
               <a:rPr lang="de-DE" smtClean="0"/>
-              <a:t>29.09.2021</a:t>
+              <a:t>26.10.2021</a:t>
             </a:fld>
             <a:endParaRPr lang="de-DE"/>
           </a:p>
@@ -3381,7 +3387,7 @@
           <a:p>
             <a:fld id="{7801F0F5-592D-43A4-AACE-76A0FBD1B6BC}" type="datetimeFigureOut">
               <a:rPr lang="de-DE" smtClean="0"/>
-              <a:t>29.09.2021</a:t>
+              <a:t>26.10.2021</a:t>
             </a:fld>
             <a:endParaRPr lang="de-DE"/>
           </a:p>
@@ -3669,7 +3675,7 @@
           <a:p>
             <a:fld id="{7801F0F5-592D-43A4-AACE-76A0FBD1B6BC}" type="datetimeFigureOut">
               <a:rPr lang="de-DE" smtClean="0"/>
-              <a:t>29.09.2021</a:t>
+              <a:t>26.10.2021</a:t>
             </a:fld>
             <a:endParaRPr lang="de-DE"/>
           </a:p>
@@ -3910,7 +3916,7 @@
           <a:p>
             <a:fld id="{7801F0F5-592D-43A4-AACE-76A0FBD1B6BC}" type="datetimeFigureOut">
               <a:rPr lang="de-DE" smtClean="0"/>
-              <a:t>29.09.2021</a:t>
+              <a:t>26.10.2021</a:t>
             </a:fld>
             <a:endParaRPr lang="de-DE"/>
           </a:p>
@@ -4415,6 +4421,918 @@
           <p:cNvPr id="2" name="Titel 1">
             <a:extLst>
               <a:ext uri="{FF2B5EF4-FFF2-40B4-BE49-F238E27FC236}">
+                <a16:creationId xmlns:a16="http://schemas.microsoft.com/office/drawing/2014/main" id="{92328FA0-7AEE-4FB3-A99B-C913A16FDC69}"/>
+              </a:ext>
+            </a:extLst>
+          </p:cNvPr>
+          <p:cNvSpPr>
+            <a:spLocks noGrp="1"/>
+          </p:cNvSpPr>
+          <p:nvPr>
+            <p:ph type="title"/>
+          </p:nvPr>
+        </p:nvSpPr>
+        <p:spPr/>
+        <p:txBody>
+          <a:bodyPr/>
+          <a:lstStyle/>
+          <a:p>
+            <a:r>
+              <a:rPr lang="de-DE" dirty="0"/>
+              <a:t>Weitere </a:t>
+            </a:r>
+            <a:r>
+              <a:rPr lang="de-DE" dirty="0" err="1"/>
+              <a:t>reccourcen</a:t>
+            </a:r>
+            <a:r>
+              <a:rPr lang="de-DE" dirty="0"/>
+              <a:t> und </a:t>
+            </a:r>
+            <a:r>
+              <a:rPr lang="de-DE" dirty="0" err="1"/>
+              <a:t>turtorials</a:t>
+            </a:r>
+            <a:endParaRPr lang="de-DE" dirty="0"/>
+          </a:p>
+        </p:txBody>
+      </p:sp>
+      <p:sp>
+        <p:nvSpPr>
+          <p:cNvPr id="3" name="Inhaltsplatzhalter 2">
+            <a:extLst>
+              <a:ext uri="{FF2B5EF4-FFF2-40B4-BE49-F238E27FC236}">
+                <a16:creationId xmlns:a16="http://schemas.microsoft.com/office/drawing/2014/main" id="{FBA2E094-D845-45B6-B803-EDC39AD5232C}"/>
+              </a:ext>
+            </a:extLst>
+          </p:cNvPr>
+          <p:cNvSpPr>
+            <a:spLocks noGrp="1"/>
+          </p:cNvSpPr>
+          <p:nvPr>
+            <p:ph idx="1"/>
+          </p:nvPr>
+        </p:nvSpPr>
+        <p:spPr/>
+        <p:txBody>
+          <a:bodyPr/>
+          <a:lstStyle/>
+          <a:p>
+            <a:r>
+              <a:rPr lang="de-DE" dirty="0">
+                <a:hlinkClick r:id="rId2"/>
+              </a:rPr>
+              <a:t>https://github.com/digitalhhz/DSTutorial_Distributed-Architecture-Protocols</a:t>
+            </a:r>
+            <a:endParaRPr lang="de-DE" dirty="0"/>
+          </a:p>
+          <a:p>
+            <a:r>
+              <a:rPr lang="de-DE" dirty="0"/>
+              <a:t>Schaut die </a:t>
+            </a:r>
+            <a:r>
+              <a:rPr lang="de-DE" dirty="0" err="1"/>
+              <a:t>tutorials</a:t>
+            </a:r>
+            <a:r>
+              <a:rPr lang="de-DE" dirty="0"/>
+              <a:t> an </a:t>
+            </a:r>
+            <a:br>
+              <a:rPr lang="de-DE" dirty="0"/>
+            </a:br>
+            <a:r>
+              <a:rPr lang="de-DE" dirty="0"/>
+              <a:t>(erstellt von anderen Studenten!) </a:t>
+            </a:r>
+          </a:p>
+          <a:p>
+            <a:endParaRPr lang="de-DE" dirty="0"/>
+          </a:p>
+        </p:txBody>
+      </p:sp>
+      <p:pic>
+        <p:nvPicPr>
+          <p:cNvPr id="5" name="Grafik 4">
+            <a:extLst>
+              <a:ext uri="{FF2B5EF4-FFF2-40B4-BE49-F238E27FC236}">
+                <a16:creationId xmlns:a16="http://schemas.microsoft.com/office/drawing/2014/main" id="{7C3EE7C7-6FE7-4B8F-A2D4-6A6BF851E20A}"/>
+              </a:ext>
+            </a:extLst>
+          </p:cNvPr>
+          <p:cNvPicPr>
+            <a:picLocks noChangeAspect="1"/>
+          </p:cNvPicPr>
+          <p:nvPr/>
+        </p:nvPicPr>
+        <p:blipFill>
+          <a:blip r:embed="rId3"/>
+          <a:stretch>
+            <a:fillRect/>
+          </a:stretch>
+        </p:blipFill>
+        <p:spPr>
+          <a:xfrm>
+            <a:off x="6432639" y="2487309"/>
+            <a:ext cx="6799791" cy="4165418"/>
+          </a:xfrm>
+          <a:prstGeom prst="rect">
+            <a:avLst/>
+          </a:prstGeom>
+        </p:spPr>
+      </p:pic>
+    </p:spTree>
+    <p:extLst>
+      <p:ext uri="{BB962C8B-B14F-4D97-AF65-F5344CB8AC3E}">
+        <p14:creationId xmlns:p14="http://schemas.microsoft.com/office/powerpoint/2010/main" val="3054754030"/>
+      </p:ext>
+    </p:extLst>
+  </p:cSld>
+  <p:clrMapOvr>
+    <a:masterClrMapping/>
+  </p:clrMapOvr>
+</p:sld>
+</file>
+
+<file path=ppt/slides/slide11.xml><?xml version="1.0" encoding="utf-8"?>
+<p:sld xmlns:a="http://schemas.openxmlformats.org/drawingml/2006/main" xmlns:r="http://schemas.openxmlformats.org/officeDocument/2006/relationships" xmlns:p="http://schemas.openxmlformats.org/presentationml/2006/main">
+  <p:cSld>
+    <p:spTree>
+      <p:nvGrpSpPr>
+        <p:cNvPr id="1" name=""/>
+        <p:cNvGrpSpPr/>
+        <p:nvPr/>
+      </p:nvGrpSpPr>
+      <p:grpSpPr>
+        <a:xfrm>
+          <a:off x="0" y="0"/>
+          <a:ext cx="0" cy="0"/>
+          <a:chOff x="0" y="0"/>
+          <a:chExt cx="0" cy="0"/>
+        </a:xfrm>
+      </p:grpSpPr>
+      <p:sp>
+        <p:nvSpPr>
+          <p:cNvPr id="2" name="Titel 1">
+            <a:extLst>
+              <a:ext uri="{FF2B5EF4-FFF2-40B4-BE49-F238E27FC236}">
+                <a16:creationId xmlns:a16="http://schemas.microsoft.com/office/drawing/2014/main" id="{B6964585-D0FE-4E5A-845F-313450A9067E}"/>
+              </a:ext>
+            </a:extLst>
+          </p:cNvPr>
+          <p:cNvSpPr>
+            <a:spLocks noGrp="1"/>
+          </p:cNvSpPr>
+          <p:nvPr>
+            <p:ph type="title"/>
+          </p:nvPr>
+        </p:nvSpPr>
+        <p:spPr/>
+        <p:txBody>
+          <a:bodyPr/>
+          <a:lstStyle/>
+          <a:p>
+            <a:r>
+              <a:rPr lang="de-DE" dirty="0"/>
+              <a:t>Vorstellung meines Projekts</a:t>
+            </a:r>
+          </a:p>
+        </p:txBody>
+      </p:sp>
+      <p:sp>
+        <p:nvSpPr>
+          <p:cNvPr id="3" name="Inhaltsplatzhalter 2">
+            <a:extLst>
+              <a:ext uri="{FF2B5EF4-FFF2-40B4-BE49-F238E27FC236}">
+                <a16:creationId xmlns:a16="http://schemas.microsoft.com/office/drawing/2014/main" id="{30319D94-D125-4110-A235-7849254D753B}"/>
+              </a:ext>
+            </a:extLst>
+          </p:cNvPr>
+          <p:cNvSpPr>
+            <a:spLocks noGrp="1"/>
+          </p:cNvSpPr>
+          <p:nvPr>
+            <p:ph idx="1"/>
+          </p:nvPr>
+        </p:nvSpPr>
+        <p:spPr/>
+        <p:txBody>
+          <a:bodyPr/>
+          <a:lstStyle/>
+          <a:p>
+            <a:r>
+              <a:rPr lang="de-DE" dirty="0">
+                <a:hlinkClick r:id="rId2"/>
+              </a:rPr>
+              <a:t>https://github.com/Dustin-dusTir/distributed-systems-game</a:t>
+            </a:r>
+            <a:r>
+              <a:rPr lang="de-DE" dirty="0"/>
+              <a:t> </a:t>
+            </a:r>
+          </a:p>
+        </p:txBody>
+      </p:sp>
+    </p:spTree>
+    <p:extLst>
+      <p:ext uri="{BB962C8B-B14F-4D97-AF65-F5344CB8AC3E}">
+        <p14:creationId xmlns:p14="http://schemas.microsoft.com/office/powerpoint/2010/main" val="2882396520"/>
+      </p:ext>
+    </p:extLst>
+  </p:cSld>
+  <p:clrMapOvr>
+    <a:masterClrMapping/>
+  </p:clrMapOvr>
+</p:sld>
+</file>
+
+<file path=ppt/slides/slide12.xml><?xml version="1.0" encoding="utf-8"?>
+<p:sld xmlns:a="http://schemas.openxmlformats.org/drawingml/2006/main" xmlns:r="http://schemas.openxmlformats.org/officeDocument/2006/relationships" xmlns:p="http://schemas.openxmlformats.org/presentationml/2006/main">
+  <p:cSld>
+    <p:spTree>
+      <p:nvGrpSpPr>
+        <p:cNvPr id="1" name=""/>
+        <p:cNvGrpSpPr/>
+        <p:nvPr/>
+      </p:nvGrpSpPr>
+      <p:grpSpPr>
+        <a:xfrm>
+          <a:off x="0" y="0"/>
+          <a:ext cx="0" cy="0"/>
+          <a:chOff x="0" y="0"/>
+          <a:chExt cx="0" cy="0"/>
+        </a:xfrm>
+      </p:grpSpPr>
+      <p:sp>
+        <p:nvSpPr>
+          <p:cNvPr id="2" name="Titel 1">
+            <a:extLst>
+              <a:ext uri="{FF2B5EF4-FFF2-40B4-BE49-F238E27FC236}">
+                <a16:creationId xmlns:a16="http://schemas.microsoft.com/office/drawing/2014/main" id="{523E1ACB-AE38-4328-9D0D-83CD0D915276}"/>
+              </a:ext>
+            </a:extLst>
+          </p:cNvPr>
+          <p:cNvSpPr>
+            <a:spLocks noGrp="1"/>
+          </p:cNvSpPr>
+          <p:nvPr>
+            <p:ph type="title"/>
+          </p:nvPr>
+        </p:nvSpPr>
+        <p:spPr/>
+        <p:txBody>
+          <a:bodyPr/>
+          <a:lstStyle/>
+          <a:p>
+            <a:r>
+              <a:rPr lang="de-DE" dirty="0"/>
+              <a:t>Tasks (</a:t>
+            </a:r>
+            <a:r>
+              <a:rPr lang="de-DE" dirty="0" err="1"/>
+              <a:t>call</a:t>
+            </a:r>
+            <a:r>
+              <a:rPr lang="de-DE" dirty="0"/>
+              <a:t> </a:t>
+            </a:r>
+            <a:r>
+              <a:rPr lang="de-DE" dirty="0" err="1"/>
+              <a:t>to</a:t>
+            </a:r>
+            <a:r>
+              <a:rPr lang="de-DE" dirty="0"/>
+              <a:t> </a:t>
+            </a:r>
+            <a:r>
+              <a:rPr lang="de-DE" dirty="0" err="1"/>
+              <a:t>action</a:t>
+            </a:r>
+            <a:r>
+              <a:rPr lang="de-DE" dirty="0"/>
+              <a:t>!)</a:t>
+            </a:r>
+          </a:p>
+        </p:txBody>
+      </p:sp>
+      <p:sp>
+        <p:nvSpPr>
+          <p:cNvPr id="3" name="Inhaltsplatzhalter 2">
+            <a:extLst>
+              <a:ext uri="{FF2B5EF4-FFF2-40B4-BE49-F238E27FC236}">
+                <a16:creationId xmlns:a16="http://schemas.microsoft.com/office/drawing/2014/main" id="{1B48845E-D1A6-43F9-A881-124F55BCF91D}"/>
+              </a:ext>
+            </a:extLst>
+          </p:cNvPr>
+          <p:cNvSpPr>
+            <a:spLocks noGrp="1"/>
+          </p:cNvSpPr>
+          <p:nvPr>
+            <p:ph idx="1"/>
+          </p:nvPr>
+        </p:nvSpPr>
+        <p:spPr>
+          <a:xfrm>
+            <a:off x="838200" y="1825625"/>
+            <a:ext cx="10515600" cy="4836432"/>
+          </a:xfrm>
+        </p:spPr>
+        <p:txBody>
+          <a:bodyPr/>
+          <a:lstStyle/>
+          <a:p>
+            <a:pPr marL="0" indent="0">
+              <a:buNone/>
+            </a:pPr>
+            <a:r>
+              <a:rPr lang="de-DE" dirty="0"/>
+              <a:t>Bis Sonntag </a:t>
+            </a:r>
+          </a:p>
+          <a:p>
+            <a:r>
+              <a:rPr lang="de-DE" dirty="0"/>
+              <a:t>Macht MS Teams Team</a:t>
+            </a:r>
+          </a:p>
+          <a:p>
+            <a:r>
+              <a:rPr lang="de-DE" dirty="0"/>
+              <a:t>Schaut </a:t>
+            </a:r>
+            <a:r>
+              <a:rPr lang="de-DE" dirty="0" err="1"/>
+              <a:t>tutorials</a:t>
+            </a:r>
+            <a:r>
+              <a:rPr lang="de-DE" dirty="0"/>
+              <a:t> an</a:t>
+            </a:r>
+          </a:p>
+          <a:p>
+            <a:r>
+              <a:rPr lang="de-DE" dirty="0"/>
+              <a:t>5 </a:t>
+            </a:r>
+            <a:r>
+              <a:rPr lang="de-DE" dirty="0" err="1"/>
+              <a:t>page</a:t>
+            </a:r>
+            <a:r>
+              <a:rPr lang="de-DE" dirty="0"/>
+              <a:t> </a:t>
+            </a:r>
+            <a:r>
+              <a:rPr lang="de-DE" dirty="0" err="1"/>
+              <a:t>report</a:t>
+            </a:r>
+            <a:endParaRPr lang="de-DE" dirty="0"/>
+          </a:p>
+          <a:p>
+            <a:pPr marL="0" indent="0">
+              <a:buNone/>
+            </a:pPr>
+            <a:r>
+              <a:rPr lang="de-DE" dirty="0"/>
+              <a:t>Danach</a:t>
+            </a:r>
+          </a:p>
+          <a:p>
+            <a:r>
+              <a:rPr lang="de-DE" dirty="0"/>
+              <a:t>Lernt </a:t>
+            </a:r>
+            <a:r>
+              <a:rPr lang="de-DE" dirty="0" err="1"/>
+              <a:t>python</a:t>
+            </a:r>
+            <a:endParaRPr lang="de-DE" dirty="0"/>
+          </a:p>
+          <a:p>
+            <a:r>
+              <a:rPr lang="de-DE" dirty="0"/>
+              <a:t>Lernt </a:t>
+            </a:r>
+            <a:r>
+              <a:rPr lang="de-DE" dirty="0" err="1"/>
+              <a:t>git</a:t>
+            </a:r>
+            <a:endParaRPr lang="de-DE" dirty="0"/>
+          </a:p>
+          <a:p>
+            <a:r>
+              <a:rPr lang="de-DE" dirty="0"/>
+              <a:t>Macht </a:t>
+            </a:r>
+            <a:r>
+              <a:rPr lang="de-DE" dirty="0" err="1"/>
+              <a:t>git</a:t>
+            </a:r>
+            <a:r>
+              <a:rPr lang="de-DE" dirty="0"/>
+              <a:t> </a:t>
+            </a:r>
+            <a:r>
+              <a:rPr lang="de-DE" dirty="0" err="1"/>
+              <a:t>repo</a:t>
+            </a:r>
+            <a:r>
+              <a:rPr lang="de-DE" dirty="0"/>
+              <a:t> (</a:t>
+            </a:r>
+            <a:r>
+              <a:rPr lang="de-DE" dirty="0" err="1"/>
+              <a:t>public</a:t>
+            </a:r>
+            <a:r>
+              <a:rPr lang="de-DE" dirty="0"/>
+              <a:t>)</a:t>
+            </a:r>
+          </a:p>
+          <a:p>
+            <a:pPr marL="0" indent="0">
+              <a:buNone/>
+            </a:pPr>
+            <a:endParaRPr lang="de-DE" dirty="0"/>
+          </a:p>
+          <a:p>
+            <a:endParaRPr lang="de-DE" dirty="0"/>
+          </a:p>
+        </p:txBody>
+      </p:sp>
+    </p:spTree>
+    <p:extLst>
+      <p:ext uri="{BB962C8B-B14F-4D97-AF65-F5344CB8AC3E}">
+        <p14:creationId xmlns:p14="http://schemas.microsoft.com/office/powerpoint/2010/main" val="774973260"/>
+      </p:ext>
+    </p:extLst>
+  </p:cSld>
+  <p:clrMapOvr>
+    <a:masterClrMapping/>
+  </p:clrMapOvr>
+</p:sld>
+</file>
+
+<file path=ppt/slides/slide13.xml><?xml version="1.0" encoding="utf-8"?>
+<p:sld xmlns:a="http://schemas.openxmlformats.org/drawingml/2006/main" xmlns:r="http://schemas.openxmlformats.org/officeDocument/2006/relationships" xmlns:p="http://schemas.openxmlformats.org/presentationml/2006/main">
+  <p:cSld>
+    <p:spTree>
+      <p:nvGrpSpPr>
+        <p:cNvPr id="1" name=""/>
+        <p:cNvGrpSpPr/>
+        <p:nvPr/>
+      </p:nvGrpSpPr>
+      <p:grpSpPr>
+        <a:xfrm>
+          <a:off x="0" y="0"/>
+          <a:ext cx="0" cy="0"/>
+          <a:chOff x="0" y="0"/>
+          <a:chExt cx="0" cy="0"/>
+        </a:xfrm>
+      </p:grpSpPr>
+      <p:sp>
+        <p:nvSpPr>
+          <p:cNvPr id="2" name="Titel 1">
+            <a:extLst>
+              <a:ext uri="{FF2B5EF4-FFF2-40B4-BE49-F238E27FC236}">
+                <a16:creationId xmlns:a16="http://schemas.microsoft.com/office/drawing/2014/main" id="{709114B5-A395-4AE2-B993-9F9F560D36F2}"/>
+              </a:ext>
+            </a:extLst>
+          </p:cNvPr>
+          <p:cNvSpPr>
+            <a:spLocks noGrp="1"/>
+          </p:cNvSpPr>
+          <p:nvPr>
+            <p:ph type="title"/>
+          </p:nvPr>
+        </p:nvSpPr>
+        <p:spPr/>
+        <p:txBody>
+          <a:bodyPr/>
+          <a:lstStyle/>
+          <a:p>
+            <a:r>
+              <a:rPr lang="de-DE" dirty="0"/>
+              <a:t>Den Rest gibt es in der nächsten Session</a:t>
+            </a:r>
+          </a:p>
+        </p:txBody>
+      </p:sp>
+      <p:sp>
+        <p:nvSpPr>
+          <p:cNvPr id="3" name="Inhaltsplatzhalter 2">
+            <a:extLst>
+              <a:ext uri="{FF2B5EF4-FFF2-40B4-BE49-F238E27FC236}">
+                <a16:creationId xmlns:a16="http://schemas.microsoft.com/office/drawing/2014/main" id="{F55E7868-2853-4004-9C25-427DAFD4BB5A}"/>
+              </a:ext>
+            </a:extLst>
+          </p:cNvPr>
+          <p:cNvSpPr>
+            <a:spLocks noGrp="1"/>
+          </p:cNvSpPr>
+          <p:nvPr>
+            <p:ph idx="1"/>
+          </p:nvPr>
+        </p:nvSpPr>
+        <p:spPr/>
+        <p:txBody>
+          <a:bodyPr/>
+          <a:lstStyle/>
+          <a:p>
+            <a:endParaRPr lang="de-DE"/>
+          </a:p>
+        </p:txBody>
+      </p:sp>
+    </p:spTree>
+    <p:extLst>
+      <p:ext uri="{BB962C8B-B14F-4D97-AF65-F5344CB8AC3E}">
+        <p14:creationId xmlns:p14="http://schemas.microsoft.com/office/powerpoint/2010/main" val="4015103028"/>
+      </p:ext>
+    </p:extLst>
+  </p:cSld>
+  <p:clrMapOvr>
+    <a:masterClrMapping/>
+  </p:clrMapOvr>
+</p:sld>
+</file>
+
+<file path=ppt/slides/slide14.xml><?xml version="1.0" encoding="utf-8"?>
+<p:sld xmlns:a="http://schemas.openxmlformats.org/drawingml/2006/main" xmlns:r="http://schemas.openxmlformats.org/officeDocument/2006/relationships" xmlns:p="http://schemas.openxmlformats.org/presentationml/2006/main">
+  <p:cSld>
+    <p:spTree>
+      <p:nvGrpSpPr>
+        <p:cNvPr id="1" name=""/>
+        <p:cNvGrpSpPr/>
+        <p:nvPr/>
+      </p:nvGrpSpPr>
+      <p:grpSpPr>
+        <a:xfrm>
+          <a:off x="0" y="0"/>
+          <a:ext cx="0" cy="0"/>
+          <a:chOff x="0" y="0"/>
+          <a:chExt cx="0" cy="0"/>
+        </a:xfrm>
+      </p:grpSpPr>
+      <p:sp>
+        <p:nvSpPr>
+          <p:cNvPr id="2" name="Titel 1">
+            <a:extLst>
+              <a:ext uri="{FF2B5EF4-FFF2-40B4-BE49-F238E27FC236}">
+                <a16:creationId xmlns:a16="http://schemas.microsoft.com/office/drawing/2014/main" id="{68EEF4B2-0EF7-4E06-9716-BFFB811F0EF5}"/>
+              </a:ext>
+            </a:extLst>
+          </p:cNvPr>
+          <p:cNvSpPr>
+            <a:spLocks noGrp="1"/>
+          </p:cNvSpPr>
+          <p:nvPr>
+            <p:ph type="title"/>
+          </p:nvPr>
+        </p:nvSpPr>
+        <p:spPr>
+          <a:xfrm>
+            <a:off x="5979780" y="189285"/>
+            <a:ext cx="5374019" cy="1325563"/>
+          </a:xfrm>
+        </p:spPr>
+        <p:txBody>
+          <a:bodyPr/>
+          <a:lstStyle/>
+          <a:p>
+            <a:r>
+              <a:rPr lang="de-DE" dirty="0"/>
+              <a:t>Netzwerk Grundlagen</a:t>
+            </a:r>
+          </a:p>
+        </p:txBody>
+      </p:sp>
+      <p:sp>
+        <p:nvSpPr>
+          <p:cNvPr id="3" name="Inhaltsplatzhalter 2">
+            <a:extLst>
+              <a:ext uri="{FF2B5EF4-FFF2-40B4-BE49-F238E27FC236}">
+                <a16:creationId xmlns:a16="http://schemas.microsoft.com/office/drawing/2014/main" id="{3DAF3216-37FB-427E-9EB1-75D46C08A2D3}"/>
+              </a:ext>
+            </a:extLst>
+          </p:cNvPr>
+          <p:cNvSpPr>
+            <a:spLocks noGrp="1"/>
+          </p:cNvSpPr>
+          <p:nvPr>
+            <p:ph idx="1"/>
+          </p:nvPr>
+        </p:nvSpPr>
+        <p:spPr>
+          <a:xfrm>
+            <a:off x="5499557" y="1664340"/>
+            <a:ext cx="5854243" cy="4512623"/>
+          </a:xfrm>
+        </p:spPr>
+        <p:txBody>
+          <a:bodyPr/>
+          <a:lstStyle/>
+          <a:p>
+            <a:r>
+              <a:rPr lang="de-DE" dirty="0"/>
+              <a:t>Versuch als erstes UDP </a:t>
+            </a:r>
+            <a:r>
+              <a:rPr lang="de-DE" dirty="0" err="1"/>
+              <a:t>Unicast</a:t>
+            </a:r>
+            <a:r>
+              <a:rPr lang="de-DE" dirty="0"/>
+              <a:t> und Broadcast auf deinem PC hinzubekommen</a:t>
+            </a:r>
+          </a:p>
+          <a:p>
+            <a:r>
+              <a:rPr lang="de-DE" dirty="0"/>
+              <a:t>Möglicherweise musst du irgendwie ein paar </a:t>
+            </a:r>
+            <a:r>
+              <a:rPr lang="de-DE" dirty="0" err="1"/>
+              <a:t>netzwerk</a:t>
+            </a:r>
+            <a:r>
+              <a:rPr lang="de-DE" dirty="0"/>
+              <a:t> </a:t>
+            </a:r>
+            <a:r>
+              <a:rPr lang="de-DE" dirty="0" err="1"/>
+              <a:t>adapter</a:t>
+            </a:r>
+            <a:r>
+              <a:rPr lang="de-DE" dirty="0"/>
+              <a:t> deaktivieren</a:t>
+            </a:r>
+          </a:p>
+          <a:p>
+            <a:r>
+              <a:rPr lang="de-DE" dirty="0"/>
+              <a:t>Bei mir hat es einfach funktioniert.</a:t>
+            </a:r>
+          </a:p>
+        </p:txBody>
+      </p:sp>
+      <p:pic>
+        <p:nvPicPr>
+          <p:cNvPr id="7" name="Grafik 6">
+            <a:extLst>
+              <a:ext uri="{FF2B5EF4-FFF2-40B4-BE49-F238E27FC236}">
+                <a16:creationId xmlns:a16="http://schemas.microsoft.com/office/drawing/2014/main" id="{95C5068A-094D-43DF-8127-D4307C9DC58D}"/>
+              </a:ext>
+            </a:extLst>
+          </p:cNvPr>
+          <p:cNvPicPr>
+            <a:picLocks noChangeAspect="1"/>
+          </p:cNvPicPr>
+          <p:nvPr/>
+        </p:nvPicPr>
+        <p:blipFill>
+          <a:blip r:embed="rId2"/>
+          <a:stretch>
+            <a:fillRect/>
+          </a:stretch>
+        </p:blipFill>
+        <p:spPr>
+          <a:xfrm>
+            <a:off x="0" y="0"/>
+            <a:ext cx="5226376" cy="6858000"/>
+          </a:xfrm>
+          <a:prstGeom prst="rect">
+            <a:avLst/>
+          </a:prstGeom>
+        </p:spPr>
+      </p:pic>
+    </p:spTree>
+    <p:extLst>
+      <p:ext uri="{BB962C8B-B14F-4D97-AF65-F5344CB8AC3E}">
+        <p14:creationId xmlns:p14="http://schemas.microsoft.com/office/powerpoint/2010/main" val="321118990"/>
+      </p:ext>
+    </p:extLst>
+  </p:cSld>
+  <p:clrMapOvr>
+    <a:masterClrMapping/>
+  </p:clrMapOvr>
+</p:sld>
+</file>
+
+<file path=ppt/slides/slide15.xml><?xml version="1.0" encoding="utf-8"?>
+<p:sld xmlns:a="http://schemas.openxmlformats.org/drawingml/2006/main" xmlns:r="http://schemas.openxmlformats.org/officeDocument/2006/relationships" xmlns:p="http://schemas.openxmlformats.org/presentationml/2006/main">
+  <p:cSld>
+    <p:spTree>
+      <p:nvGrpSpPr>
+        <p:cNvPr id="1" name=""/>
+        <p:cNvGrpSpPr/>
+        <p:nvPr/>
+      </p:nvGrpSpPr>
+      <p:grpSpPr>
+        <a:xfrm>
+          <a:off x="0" y="0"/>
+          <a:ext cx="0" cy="0"/>
+          <a:chOff x="0" y="0"/>
+          <a:chExt cx="0" cy="0"/>
+        </a:xfrm>
+      </p:grpSpPr>
+      <p:sp>
+        <p:nvSpPr>
+          <p:cNvPr id="2" name="Titel 1">
+            <a:extLst>
+              <a:ext uri="{FF2B5EF4-FFF2-40B4-BE49-F238E27FC236}">
+                <a16:creationId xmlns:a16="http://schemas.microsoft.com/office/drawing/2014/main" id="{37BBD172-4E6B-470B-867D-80DBB9458E93}"/>
+              </a:ext>
+            </a:extLst>
+          </p:cNvPr>
+          <p:cNvSpPr>
+            <a:spLocks noGrp="1"/>
+          </p:cNvSpPr>
+          <p:nvPr>
+            <p:ph type="title"/>
+          </p:nvPr>
+        </p:nvSpPr>
+        <p:spPr/>
+        <p:txBody>
+          <a:bodyPr/>
+          <a:lstStyle/>
+          <a:p>
+            <a:r>
+              <a:rPr lang="de-DE" dirty="0"/>
+              <a:t>Nachrichten über TCP und UDP senden</a:t>
+            </a:r>
+          </a:p>
+        </p:txBody>
+      </p:sp>
+      <p:sp>
+        <p:nvSpPr>
+          <p:cNvPr id="3" name="Inhaltsplatzhalter 2">
+            <a:extLst>
+              <a:ext uri="{FF2B5EF4-FFF2-40B4-BE49-F238E27FC236}">
+                <a16:creationId xmlns:a16="http://schemas.microsoft.com/office/drawing/2014/main" id="{7552F277-87CB-490C-80F5-355E6976063C}"/>
+              </a:ext>
+            </a:extLst>
+          </p:cNvPr>
+          <p:cNvSpPr>
+            <a:spLocks noGrp="1"/>
+          </p:cNvSpPr>
+          <p:nvPr>
+            <p:ph idx="1"/>
+          </p:nvPr>
+        </p:nvSpPr>
+        <p:spPr/>
+        <p:txBody>
+          <a:bodyPr/>
+          <a:lstStyle/>
+          <a:p>
+            <a:r>
+              <a:rPr lang="de-DE" dirty="0"/>
+              <a:t>Du kannst über das </a:t>
+            </a:r>
+            <a:r>
+              <a:rPr lang="de-DE" dirty="0" err="1"/>
+              <a:t>netztwerk</a:t>
+            </a:r>
+            <a:r>
+              <a:rPr lang="de-DE" dirty="0"/>
+              <a:t> keine </a:t>
+            </a:r>
+            <a:r>
+              <a:rPr lang="de-DE" dirty="0" err="1"/>
+              <a:t>Integers</a:t>
+            </a:r>
+            <a:r>
+              <a:rPr lang="de-DE" dirty="0"/>
+              <a:t> oder </a:t>
+            </a:r>
+            <a:r>
+              <a:rPr lang="de-DE" dirty="0" err="1"/>
+              <a:t>floats</a:t>
+            </a:r>
+            <a:r>
+              <a:rPr lang="de-DE" dirty="0"/>
+              <a:t> oder Arrays oder </a:t>
+            </a:r>
+            <a:r>
+              <a:rPr lang="de-DE" dirty="0" err="1"/>
+              <a:t>strings</a:t>
+            </a:r>
+            <a:r>
+              <a:rPr lang="de-DE" dirty="0"/>
+              <a:t> schicken (</a:t>
+            </a:r>
+            <a:r>
+              <a:rPr lang="de-DE" dirty="0" err="1"/>
+              <a:t>zummindest</a:t>
+            </a:r>
+            <a:r>
+              <a:rPr lang="de-DE" dirty="0"/>
+              <a:t> nicht direkt)</a:t>
+            </a:r>
+          </a:p>
+          <a:p>
+            <a:r>
+              <a:rPr lang="de-DE" dirty="0"/>
+              <a:t>Du kannst nur Bytes schicken</a:t>
+            </a:r>
+          </a:p>
+          <a:p>
+            <a:r>
+              <a:rPr lang="de-DE" dirty="0"/>
+              <a:t>Bzw. Bytestrings     b‘‘   in Python</a:t>
+            </a:r>
+          </a:p>
+          <a:p>
+            <a:r>
+              <a:rPr lang="de-DE" dirty="0"/>
+              <a:t>Jeweils 8 </a:t>
+            </a:r>
+            <a:r>
+              <a:rPr lang="de-DE" dirty="0" err="1"/>
+              <a:t>bit</a:t>
+            </a:r>
+            <a:r>
+              <a:rPr lang="de-DE" dirty="0"/>
+              <a:t> zusammengefasst </a:t>
+            </a:r>
+            <a:br>
+              <a:rPr lang="de-DE" dirty="0"/>
+            </a:br>
+            <a:r>
+              <a:rPr lang="de-DE" dirty="0"/>
+              <a:t>als ein ASCII (oder so ähnlich??)</a:t>
+            </a:r>
+          </a:p>
+          <a:p>
+            <a:endParaRPr lang="de-DE" dirty="0"/>
+          </a:p>
+        </p:txBody>
+      </p:sp>
+      <p:pic>
+        <p:nvPicPr>
+          <p:cNvPr id="9" name="Grafik 8">
+            <a:extLst>
+              <a:ext uri="{FF2B5EF4-FFF2-40B4-BE49-F238E27FC236}">
+                <a16:creationId xmlns:a16="http://schemas.microsoft.com/office/drawing/2014/main" id="{FAFCAD77-32F8-468D-8AE2-3F1B5B7340B6}"/>
+              </a:ext>
+            </a:extLst>
+          </p:cNvPr>
+          <p:cNvPicPr>
+            <a:picLocks noChangeAspect="1"/>
+          </p:cNvPicPr>
+          <p:nvPr/>
+        </p:nvPicPr>
+        <p:blipFill>
+          <a:blip r:embed="rId2"/>
+          <a:stretch>
+            <a:fillRect/>
+          </a:stretch>
+        </p:blipFill>
+        <p:spPr>
+          <a:xfrm>
+            <a:off x="7035927" y="2715403"/>
+            <a:ext cx="4456568" cy="3919536"/>
+          </a:xfrm>
+          <a:prstGeom prst="rect">
+            <a:avLst/>
+          </a:prstGeom>
+        </p:spPr>
+      </p:pic>
+    </p:spTree>
+    <p:extLst>
+      <p:ext uri="{BB962C8B-B14F-4D97-AF65-F5344CB8AC3E}">
+        <p14:creationId xmlns:p14="http://schemas.microsoft.com/office/powerpoint/2010/main" val="2873619566"/>
+      </p:ext>
+    </p:extLst>
+  </p:cSld>
+  <p:clrMapOvr>
+    <a:masterClrMapping/>
+  </p:clrMapOvr>
+</p:sld>
+</file>
+
+<file path=ppt/slides/slide16.xml><?xml version="1.0" encoding="utf-8"?>
+<p:sld xmlns:a="http://schemas.openxmlformats.org/drawingml/2006/main" xmlns:r="http://schemas.openxmlformats.org/officeDocument/2006/relationships" xmlns:p="http://schemas.openxmlformats.org/presentationml/2006/main">
+  <p:cSld>
+    <p:spTree>
+      <p:nvGrpSpPr>
+        <p:cNvPr id="1" name=""/>
+        <p:cNvGrpSpPr/>
+        <p:nvPr/>
+      </p:nvGrpSpPr>
+      <p:grpSpPr>
+        <a:xfrm>
+          <a:off x="0" y="0"/>
+          <a:ext cx="0" cy="0"/>
+          <a:chOff x="0" y="0"/>
+          <a:chExt cx="0" cy="0"/>
+        </a:xfrm>
+      </p:grpSpPr>
+      <p:sp>
+        <p:nvSpPr>
+          <p:cNvPr id="2" name="Titel 1">
+            <a:extLst>
+              <a:ext uri="{FF2B5EF4-FFF2-40B4-BE49-F238E27FC236}">
                 <a16:creationId xmlns:a16="http://schemas.microsoft.com/office/drawing/2014/main" id="{7E0ABA36-45AE-458B-B9D6-84E082FF0C69}"/>
               </a:ext>
             </a:extLst>
@@ -4629,7 +5547,7 @@
 </p:sld>
 </file>
 
-<file path=ppt/slides/slide11.xml><?xml version="1.0" encoding="utf-8"?>
+<file path=ppt/slides/slide17.xml><?xml version="1.0" encoding="utf-8"?>
 <p:sld xmlns:a="http://schemas.openxmlformats.org/drawingml/2006/main" xmlns:r="http://schemas.openxmlformats.org/officeDocument/2006/relationships" xmlns:p="http://schemas.openxmlformats.org/presentationml/2006/main">
   <p:cSld>
     <p:spTree>
@@ -4752,7 +5670,7 @@
 </p:sld>
 </file>
 
-<file path=ppt/slides/slide12.xml><?xml version="1.0" encoding="utf-8"?>
+<file path=ppt/slides/slide18.xml><?xml version="1.0" encoding="utf-8"?>
 <p:sld xmlns:a="http://schemas.openxmlformats.org/drawingml/2006/main" xmlns:r="http://schemas.openxmlformats.org/officeDocument/2006/relationships" xmlns:p="http://schemas.openxmlformats.org/presentationml/2006/main">
   <p:cSld>
     <p:spTree>
@@ -4962,7 +5880,7 @@
 </p:sld>
 </file>
 
-<file path=ppt/slides/slide13.xml><?xml version="1.0" encoding="utf-8"?>
+<file path=ppt/slides/slide19.xml><?xml version="1.0" encoding="utf-8"?>
 <p:sld xmlns:a="http://schemas.openxmlformats.org/drawingml/2006/main" xmlns:r="http://schemas.openxmlformats.org/officeDocument/2006/relationships" xmlns:p="http://schemas.openxmlformats.org/presentationml/2006/main">
   <p:cSld>
     <p:spTree>
@@ -5060,1083 +5978,6 @@
     <p:extLst>
       <p:ext uri="{BB962C8B-B14F-4D97-AF65-F5344CB8AC3E}">
         <p14:creationId xmlns:p14="http://schemas.microsoft.com/office/powerpoint/2010/main" val="3170787217"/>
-      </p:ext>
-    </p:extLst>
-  </p:cSld>
-  <p:clrMapOvr>
-    <a:masterClrMapping/>
-  </p:clrMapOvr>
-</p:sld>
-</file>
-
-<file path=ppt/slides/slide14.xml><?xml version="1.0" encoding="utf-8"?>
-<p:sld xmlns:a="http://schemas.openxmlformats.org/drawingml/2006/main" xmlns:r="http://schemas.openxmlformats.org/officeDocument/2006/relationships" xmlns:p="http://schemas.openxmlformats.org/presentationml/2006/main">
-  <p:cSld>
-    <p:spTree>
-      <p:nvGrpSpPr>
-        <p:cNvPr id="1" name=""/>
-        <p:cNvGrpSpPr/>
-        <p:nvPr/>
-      </p:nvGrpSpPr>
-      <p:grpSpPr>
-        <a:xfrm>
-          <a:off x="0" y="0"/>
-          <a:ext cx="0" cy="0"/>
-          <a:chOff x="0" y="0"/>
-          <a:chExt cx="0" cy="0"/>
-        </a:xfrm>
-      </p:grpSpPr>
-      <p:sp>
-        <p:nvSpPr>
-          <p:cNvPr id="2" name="Titel 1">
-            <a:extLst>
-              <a:ext uri="{FF2B5EF4-FFF2-40B4-BE49-F238E27FC236}">
-                <a16:creationId xmlns:a16="http://schemas.microsoft.com/office/drawing/2014/main" id="{FFBAE2D4-A212-4346-9E92-70F68BA34131}"/>
-              </a:ext>
-            </a:extLst>
-          </p:cNvPr>
-          <p:cNvSpPr>
-            <a:spLocks noGrp="1"/>
-          </p:cNvSpPr>
-          <p:nvPr>
-            <p:ph type="title"/>
-          </p:nvPr>
-        </p:nvSpPr>
-        <p:spPr/>
-        <p:txBody>
-          <a:bodyPr/>
-          <a:lstStyle/>
-          <a:p>
-            <a:r>
-              <a:rPr lang="de-DE" dirty="0"/>
-              <a:t>Daten empfangen in einem </a:t>
-            </a:r>
-            <a:r>
-              <a:rPr lang="de-DE" dirty="0" err="1"/>
-              <a:t>Seperaten</a:t>
-            </a:r>
-            <a:r>
-              <a:rPr lang="de-DE" dirty="0"/>
-              <a:t> Thread</a:t>
-            </a:r>
-          </a:p>
-        </p:txBody>
-      </p:sp>
-      <p:sp>
-        <p:nvSpPr>
-          <p:cNvPr id="3" name="Inhaltsplatzhalter 2">
-            <a:extLst>
-              <a:ext uri="{FF2B5EF4-FFF2-40B4-BE49-F238E27FC236}">
-                <a16:creationId xmlns:a16="http://schemas.microsoft.com/office/drawing/2014/main" id="{79219BC0-4365-4C30-B2AA-AB8B0950EB1D}"/>
-              </a:ext>
-            </a:extLst>
-          </p:cNvPr>
-          <p:cNvSpPr>
-            <a:spLocks noGrp="1"/>
-          </p:cNvSpPr>
-          <p:nvPr>
-            <p:ph idx="1"/>
-          </p:nvPr>
-        </p:nvSpPr>
-        <p:spPr/>
-        <p:txBody>
-          <a:bodyPr>
-            <a:normAutofit fontScale="92500" lnSpcReduction="10000"/>
-          </a:bodyPr>
-          <a:lstStyle/>
-          <a:p>
-            <a:r>
-              <a:rPr lang="de-DE" dirty="0"/>
-              <a:t>Du willst immer bereit sein eine Nachricht zu empfangen</a:t>
-            </a:r>
-          </a:p>
-          <a:p>
-            <a:r>
-              <a:rPr lang="de-DE" dirty="0"/>
-              <a:t>Aber </a:t>
-            </a:r>
-            <a:r>
-              <a:rPr lang="de-DE" dirty="0" err="1"/>
-              <a:t>socket.recvfrom</a:t>
-            </a:r>
-            <a:r>
-              <a:rPr lang="de-DE" dirty="0"/>
-              <a:t>(BUFFER_SIZE)   blockiert dein Programm</a:t>
-            </a:r>
-          </a:p>
-          <a:p>
-            <a:r>
-              <a:rPr lang="de-DE" dirty="0"/>
-              <a:t>Du kannst nichts anderes machen, während du auf eine Nachricht wartest</a:t>
-            </a:r>
-          </a:p>
-          <a:p>
-            <a:r>
-              <a:rPr lang="de-DE" dirty="0"/>
-              <a:t>=&gt; Multithreading</a:t>
-            </a:r>
-          </a:p>
-          <a:p>
-            <a:r>
-              <a:rPr lang="de-DE" dirty="0"/>
-              <a:t>Benutze Threading nicht </a:t>
-            </a:r>
-            <a:r>
-              <a:rPr lang="de-DE" dirty="0" err="1"/>
-              <a:t>Multiprocessing</a:t>
-            </a:r>
-            <a:endParaRPr lang="de-DE" dirty="0"/>
-          </a:p>
-          <a:p>
-            <a:r>
-              <a:rPr lang="de-DE" dirty="0">
-                <a:hlinkClick r:id="rId2"/>
-              </a:rPr>
-              <a:t>https://timber.io/blog/multiprocessing-vs-multithreading-in-python-what-you-need-to-know/</a:t>
-            </a:r>
-            <a:endParaRPr lang="de-DE" dirty="0"/>
-          </a:p>
-          <a:p>
-            <a:r>
-              <a:rPr lang="de-DE" dirty="0">
-                <a:hlinkClick r:id="rId3"/>
-              </a:rPr>
-              <a:t>https://medium.com/contentsquare-engineering-blog/multithreading-vs-multiprocessing-in-python-ece023ad55a</a:t>
-            </a:r>
-            <a:endParaRPr lang="de-DE" dirty="0"/>
-          </a:p>
-          <a:p>
-            <a:r>
-              <a:rPr lang="de-DE" dirty="0"/>
-              <a:t>Threading </a:t>
-            </a:r>
-            <a:r>
-              <a:rPr lang="de-DE" dirty="0" err="1"/>
-              <a:t>is</a:t>
-            </a:r>
-            <a:r>
-              <a:rPr lang="de-DE" dirty="0"/>
-              <a:t> </a:t>
-            </a:r>
-            <a:r>
-              <a:rPr lang="de-DE" dirty="0" err="1"/>
-              <a:t>for</a:t>
-            </a:r>
-            <a:r>
-              <a:rPr lang="de-DE" dirty="0"/>
-              <a:t> IO  !!!!</a:t>
-            </a:r>
-          </a:p>
-        </p:txBody>
-      </p:sp>
-    </p:spTree>
-    <p:extLst>
-      <p:ext uri="{BB962C8B-B14F-4D97-AF65-F5344CB8AC3E}">
-        <p14:creationId xmlns:p14="http://schemas.microsoft.com/office/powerpoint/2010/main" val="400304511"/>
-      </p:ext>
-    </p:extLst>
-  </p:cSld>
-  <p:clrMapOvr>
-    <a:masterClrMapping/>
-  </p:clrMapOvr>
-</p:sld>
-</file>
-
-<file path=ppt/slides/slide15.xml><?xml version="1.0" encoding="utf-8"?>
-<p:sld xmlns:a="http://schemas.openxmlformats.org/drawingml/2006/main" xmlns:r="http://schemas.openxmlformats.org/officeDocument/2006/relationships" xmlns:p="http://schemas.openxmlformats.org/presentationml/2006/main">
-  <p:cSld>
-    <p:spTree>
-      <p:nvGrpSpPr>
-        <p:cNvPr id="1" name=""/>
-        <p:cNvGrpSpPr/>
-        <p:nvPr/>
-      </p:nvGrpSpPr>
-      <p:grpSpPr>
-        <a:xfrm>
-          <a:off x="0" y="0"/>
-          <a:ext cx="0" cy="0"/>
-          <a:chOff x="0" y="0"/>
-          <a:chExt cx="0" cy="0"/>
-        </a:xfrm>
-      </p:grpSpPr>
-      <p:sp>
-        <p:nvSpPr>
-          <p:cNvPr id="2" name="Titel 1">
-            <a:extLst>
-              <a:ext uri="{FF2B5EF4-FFF2-40B4-BE49-F238E27FC236}">
-                <a16:creationId xmlns:a16="http://schemas.microsoft.com/office/drawing/2014/main" id="{4AF2F4FC-6177-4C46-954B-0091FC0EC1C1}"/>
-              </a:ext>
-            </a:extLst>
-          </p:cNvPr>
-          <p:cNvSpPr>
-            <a:spLocks noGrp="1"/>
-          </p:cNvSpPr>
-          <p:nvPr>
-            <p:ph type="title"/>
-          </p:nvPr>
-        </p:nvSpPr>
-        <p:spPr/>
-        <p:txBody>
-          <a:bodyPr/>
-          <a:lstStyle/>
-          <a:p>
-            <a:r>
-              <a:rPr lang="de-DE" dirty="0"/>
-              <a:t>Multithreading</a:t>
-            </a:r>
-          </a:p>
-        </p:txBody>
-      </p:sp>
-      <p:sp>
-        <p:nvSpPr>
-          <p:cNvPr id="3" name="Inhaltsplatzhalter 2">
-            <a:extLst>
-              <a:ext uri="{FF2B5EF4-FFF2-40B4-BE49-F238E27FC236}">
-                <a16:creationId xmlns:a16="http://schemas.microsoft.com/office/drawing/2014/main" id="{8BBA6EC5-8892-4C8E-B126-0E24794A74B9}"/>
-              </a:ext>
-            </a:extLst>
-          </p:cNvPr>
-          <p:cNvSpPr>
-            <a:spLocks noGrp="1"/>
-          </p:cNvSpPr>
-          <p:nvPr>
-            <p:ph idx="1"/>
-          </p:nvPr>
-        </p:nvSpPr>
-        <p:spPr/>
-        <p:txBody>
-          <a:bodyPr/>
-          <a:lstStyle/>
-          <a:p>
-            <a:r>
-              <a:rPr lang="de-DE" dirty="0"/>
-              <a:t>Einfach die </a:t>
-            </a:r>
-            <a:r>
-              <a:rPr lang="de-DE" dirty="0" err="1"/>
-              <a:t>socket.recfrom</a:t>
-            </a:r>
-            <a:r>
-              <a:rPr lang="de-DE" dirty="0"/>
-              <a:t>()  in ein </a:t>
-            </a:r>
-            <a:r>
-              <a:rPr lang="de-DE" dirty="0" err="1"/>
-              <a:t>try</a:t>
-            </a:r>
-            <a:r>
-              <a:rPr lang="de-DE" dirty="0"/>
-              <a:t>: </a:t>
-            </a:r>
-            <a:r>
-              <a:rPr lang="de-DE" dirty="0" err="1"/>
-              <a:t>exept</a:t>
-            </a:r>
-            <a:r>
-              <a:rPr lang="de-DE" dirty="0"/>
-              <a:t>:  eine </a:t>
-            </a:r>
-            <a:r>
-              <a:rPr lang="de-DE" dirty="0" err="1"/>
-              <a:t>while</a:t>
-            </a:r>
-            <a:r>
-              <a:rPr lang="de-DE" dirty="0"/>
-              <a:t> True:</a:t>
-            </a:r>
-          </a:p>
-          <a:p>
-            <a:r>
-              <a:rPr lang="de-DE" dirty="0"/>
-              <a:t>In eine </a:t>
-            </a:r>
-            <a:r>
-              <a:rPr lang="de-DE" dirty="0" err="1"/>
-              <a:t>funktion</a:t>
-            </a:r>
-            <a:r>
-              <a:rPr lang="de-DE" dirty="0"/>
-              <a:t>, in einem </a:t>
-            </a:r>
-            <a:r>
-              <a:rPr lang="de-DE" dirty="0" err="1"/>
-              <a:t>Seperaten</a:t>
-            </a:r>
-            <a:r>
-              <a:rPr lang="de-DE" dirty="0"/>
-              <a:t> Thread</a:t>
-            </a:r>
-          </a:p>
-          <a:p>
-            <a:endParaRPr lang="de-DE" dirty="0"/>
-          </a:p>
-          <a:p>
-            <a:endParaRPr lang="de-DE" dirty="0"/>
-          </a:p>
-          <a:p>
-            <a:endParaRPr lang="de-DE" dirty="0"/>
-          </a:p>
-          <a:p>
-            <a:r>
-              <a:rPr lang="de-DE" dirty="0"/>
-              <a:t>Bei </a:t>
-            </a:r>
-            <a:r>
-              <a:rPr lang="de-DE" dirty="0" err="1"/>
-              <a:t>target</a:t>
-            </a:r>
-            <a:r>
-              <a:rPr lang="de-DE" dirty="0"/>
-              <a:t>=</a:t>
-            </a:r>
-            <a:r>
-              <a:rPr lang="de-DE" dirty="0" err="1"/>
-              <a:t>self</a:t>
-            </a:r>
-            <a:r>
-              <a:rPr lang="de-DE" dirty="0"/>
-              <a:t>._</a:t>
-            </a:r>
-            <a:r>
-              <a:rPr lang="de-DE" dirty="0" err="1"/>
-              <a:t>listenUnicast</a:t>
-            </a:r>
-            <a:r>
-              <a:rPr lang="de-DE" dirty="0"/>
-              <a:t>    keine ()   sonst wird die Funktion ausgeführt! Du willst aber den Pointer zur Funktion übergeben!</a:t>
-            </a:r>
-          </a:p>
-          <a:p>
-            <a:endParaRPr lang="de-DE" dirty="0"/>
-          </a:p>
-        </p:txBody>
-      </p:sp>
-      <p:pic>
-        <p:nvPicPr>
-          <p:cNvPr id="6" name="Inhaltsplatzhalter 4">
-            <a:extLst>
-              <a:ext uri="{FF2B5EF4-FFF2-40B4-BE49-F238E27FC236}">
-                <a16:creationId xmlns:a16="http://schemas.microsoft.com/office/drawing/2014/main" id="{3BD6521C-3EEA-4785-BEF0-EA3EBF88EA7E}"/>
-              </a:ext>
-            </a:extLst>
-          </p:cNvPr>
-          <p:cNvPicPr>
-            <a:picLocks noChangeAspect="1"/>
-          </p:cNvPicPr>
-          <p:nvPr/>
-        </p:nvPicPr>
-        <p:blipFill>
-          <a:blip r:embed="rId2"/>
-          <a:stretch>
-            <a:fillRect/>
-          </a:stretch>
-        </p:blipFill>
-        <p:spPr>
-          <a:xfrm>
-            <a:off x="1122409" y="3192177"/>
-            <a:ext cx="8486775" cy="971550"/>
-          </a:xfrm>
-          <a:prstGeom prst="rect">
-            <a:avLst/>
-          </a:prstGeom>
-        </p:spPr>
-      </p:pic>
-    </p:spTree>
-    <p:extLst>
-      <p:ext uri="{BB962C8B-B14F-4D97-AF65-F5344CB8AC3E}">
-        <p14:creationId xmlns:p14="http://schemas.microsoft.com/office/powerpoint/2010/main" val="3012124094"/>
-      </p:ext>
-    </p:extLst>
-  </p:cSld>
-  <p:clrMapOvr>
-    <a:masterClrMapping/>
-  </p:clrMapOvr>
-</p:sld>
-</file>
-
-<file path=ppt/slides/slide16.xml><?xml version="1.0" encoding="utf-8"?>
-<p:sld xmlns:a="http://schemas.openxmlformats.org/drawingml/2006/main" xmlns:r="http://schemas.openxmlformats.org/officeDocument/2006/relationships" xmlns:p="http://schemas.openxmlformats.org/presentationml/2006/main">
-  <p:cSld>
-    <p:spTree>
-      <p:nvGrpSpPr>
-        <p:cNvPr id="1" name=""/>
-        <p:cNvGrpSpPr/>
-        <p:nvPr/>
-      </p:nvGrpSpPr>
-      <p:grpSpPr>
-        <a:xfrm>
-          <a:off x="0" y="0"/>
-          <a:ext cx="0" cy="0"/>
-          <a:chOff x="0" y="0"/>
-          <a:chExt cx="0" cy="0"/>
-        </a:xfrm>
-      </p:grpSpPr>
-      <p:sp>
-        <p:nvSpPr>
-          <p:cNvPr id="2" name="Titel 1">
-            <a:extLst>
-              <a:ext uri="{FF2B5EF4-FFF2-40B4-BE49-F238E27FC236}">
-                <a16:creationId xmlns:a16="http://schemas.microsoft.com/office/drawing/2014/main" id="{F1988C90-434A-44D1-886E-884D41A2F7D0}"/>
-              </a:ext>
-            </a:extLst>
-          </p:cNvPr>
-          <p:cNvSpPr>
-            <a:spLocks noGrp="1"/>
-          </p:cNvSpPr>
-          <p:nvPr>
-            <p:ph type="title"/>
-          </p:nvPr>
-        </p:nvSpPr>
-        <p:spPr/>
-        <p:txBody>
-          <a:bodyPr/>
-          <a:lstStyle/>
-          <a:p>
-            <a:r>
-              <a:rPr lang="de-DE" dirty="0"/>
-              <a:t>Observer Pattern</a:t>
-            </a:r>
-          </a:p>
-        </p:txBody>
-      </p:sp>
-      <p:sp>
-        <p:nvSpPr>
-          <p:cNvPr id="3" name="Inhaltsplatzhalter 2">
-            <a:extLst>
-              <a:ext uri="{FF2B5EF4-FFF2-40B4-BE49-F238E27FC236}">
-                <a16:creationId xmlns:a16="http://schemas.microsoft.com/office/drawing/2014/main" id="{553AC1F4-4B09-4ADE-824F-B241F97482AA}"/>
-              </a:ext>
-            </a:extLst>
-          </p:cNvPr>
-          <p:cNvSpPr>
-            <a:spLocks noGrp="1"/>
-          </p:cNvSpPr>
-          <p:nvPr>
-            <p:ph idx="1"/>
-          </p:nvPr>
-        </p:nvSpPr>
-        <p:spPr/>
-        <p:txBody>
-          <a:bodyPr/>
-          <a:lstStyle/>
-          <a:p>
-            <a:r>
-              <a:rPr lang="de-DE" dirty="0"/>
-              <a:t>Du hast jetzt einen Thread, der alle Nachrichten empfängt.</a:t>
-            </a:r>
-          </a:p>
-          <a:p>
-            <a:r>
-              <a:rPr lang="de-DE" dirty="0"/>
-              <a:t>Was machst du aber jetzt mit diesen Nachrichten?</a:t>
-            </a:r>
-          </a:p>
-          <a:p>
-            <a:r>
-              <a:rPr lang="de-DE" dirty="0"/>
-              <a:t>Wie bindest du sie in deinen Hauptcode ein ?</a:t>
-            </a:r>
-          </a:p>
-          <a:p>
-            <a:r>
-              <a:rPr lang="de-DE" dirty="0"/>
-              <a:t>=&gt; Observer Pattern </a:t>
-            </a:r>
-          </a:p>
-        </p:txBody>
-      </p:sp>
-      <p:pic>
-        <p:nvPicPr>
-          <p:cNvPr id="7" name="Grafik 6">
-            <a:extLst>
-              <a:ext uri="{FF2B5EF4-FFF2-40B4-BE49-F238E27FC236}">
-                <a16:creationId xmlns:a16="http://schemas.microsoft.com/office/drawing/2014/main" id="{BC93FDE9-AB23-44D6-B8C8-05074C20D7D5}"/>
-              </a:ext>
-            </a:extLst>
-          </p:cNvPr>
-          <p:cNvPicPr>
-            <a:picLocks noChangeAspect="1"/>
-          </p:cNvPicPr>
-          <p:nvPr/>
-        </p:nvPicPr>
-        <p:blipFill>
-          <a:blip r:embed="rId2"/>
-          <a:stretch>
-            <a:fillRect/>
-          </a:stretch>
-        </p:blipFill>
-        <p:spPr>
-          <a:xfrm>
-            <a:off x="1309412" y="3876304"/>
-            <a:ext cx="5534025" cy="962025"/>
-          </a:xfrm>
-          <a:prstGeom prst="rect">
-            <a:avLst/>
-          </a:prstGeom>
-        </p:spPr>
-      </p:pic>
-      <p:pic>
-        <p:nvPicPr>
-          <p:cNvPr id="9" name="Grafik 8">
-            <a:extLst>
-              <a:ext uri="{FF2B5EF4-FFF2-40B4-BE49-F238E27FC236}">
-                <a16:creationId xmlns:a16="http://schemas.microsoft.com/office/drawing/2014/main" id="{18446C1B-9B2E-4123-A6C6-964B5164E629}"/>
-              </a:ext>
-            </a:extLst>
-          </p:cNvPr>
-          <p:cNvPicPr>
-            <a:picLocks noChangeAspect="1"/>
-          </p:cNvPicPr>
-          <p:nvPr/>
-        </p:nvPicPr>
-        <p:blipFill>
-          <a:blip r:embed="rId3"/>
-          <a:stretch>
-            <a:fillRect/>
-          </a:stretch>
-        </p:blipFill>
-        <p:spPr>
-          <a:xfrm>
-            <a:off x="1691295" y="5074630"/>
-            <a:ext cx="7953375" cy="1771650"/>
-          </a:xfrm>
-          <a:prstGeom prst="rect">
-            <a:avLst/>
-          </a:prstGeom>
-        </p:spPr>
-      </p:pic>
-    </p:spTree>
-    <p:extLst>
-      <p:ext uri="{BB962C8B-B14F-4D97-AF65-F5344CB8AC3E}">
-        <p14:creationId xmlns:p14="http://schemas.microsoft.com/office/powerpoint/2010/main" val="2373471591"/>
-      </p:ext>
-    </p:extLst>
-  </p:cSld>
-  <p:clrMapOvr>
-    <a:masterClrMapping/>
-  </p:clrMapOvr>
-</p:sld>
-</file>
-
-<file path=ppt/slides/slide17.xml><?xml version="1.0" encoding="utf-8"?>
-<p:sld xmlns:a="http://schemas.openxmlformats.org/drawingml/2006/main" xmlns:r="http://schemas.openxmlformats.org/officeDocument/2006/relationships" xmlns:p="http://schemas.openxmlformats.org/presentationml/2006/main">
-  <p:cSld>
-    <p:spTree>
-      <p:nvGrpSpPr>
-        <p:cNvPr id="1" name=""/>
-        <p:cNvGrpSpPr/>
-        <p:nvPr/>
-      </p:nvGrpSpPr>
-      <p:grpSpPr>
-        <a:xfrm>
-          <a:off x="0" y="0"/>
-          <a:ext cx="0" cy="0"/>
-          <a:chOff x="0" y="0"/>
-          <a:chExt cx="0" cy="0"/>
-        </a:xfrm>
-      </p:grpSpPr>
-      <p:sp>
-        <p:nvSpPr>
-          <p:cNvPr id="2" name="Titel 1">
-            <a:extLst>
-              <a:ext uri="{FF2B5EF4-FFF2-40B4-BE49-F238E27FC236}">
-                <a16:creationId xmlns:a16="http://schemas.microsoft.com/office/drawing/2014/main" id="{BBB5E2D5-4EC3-4EF9-838B-823462D36631}"/>
-              </a:ext>
-            </a:extLst>
-          </p:cNvPr>
-          <p:cNvSpPr>
-            <a:spLocks noGrp="1"/>
-          </p:cNvSpPr>
-          <p:nvPr>
-            <p:ph type="title"/>
-          </p:nvPr>
-        </p:nvSpPr>
-        <p:spPr>
-          <a:xfrm>
-            <a:off x="7642274" y="485603"/>
-            <a:ext cx="4549726" cy="1325563"/>
-          </a:xfrm>
-        </p:spPr>
-        <p:txBody>
-          <a:bodyPr/>
-          <a:lstStyle/>
-          <a:p>
-            <a:r>
-              <a:rPr lang="de-DE" dirty="0"/>
-              <a:t>Observer Pattern</a:t>
-            </a:r>
-          </a:p>
-        </p:txBody>
-      </p:sp>
-      <p:sp>
-        <p:nvSpPr>
-          <p:cNvPr id="3" name="Inhaltsplatzhalter 2">
-            <a:extLst>
-              <a:ext uri="{FF2B5EF4-FFF2-40B4-BE49-F238E27FC236}">
-                <a16:creationId xmlns:a16="http://schemas.microsoft.com/office/drawing/2014/main" id="{231EAEC2-D7A5-4117-9887-8BCA8B012573}"/>
-              </a:ext>
-            </a:extLst>
-          </p:cNvPr>
-          <p:cNvSpPr>
-            <a:spLocks noGrp="1"/>
-          </p:cNvSpPr>
-          <p:nvPr>
-            <p:ph idx="1"/>
-          </p:nvPr>
-        </p:nvSpPr>
-        <p:spPr>
-          <a:xfrm>
-            <a:off x="641252" y="1811166"/>
-            <a:ext cx="10515600" cy="3264951"/>
-          </a:xfrm>
-        </p:spPr>
-        <p:txBody>
-          <a:bodyPr/>
-          <a:lstStyle/>
-          <a:p>
-            <a:r>
-              <a:rPr lang="de-DE" dirty="0"/>
-              <a:t>Ausführen jeder </a:t>
-            </a:r>
-            <a:r>
-              <a:rPr lang="de-DE" dirty="0" err="1"/>
-              <a:t>funktion</a:t>
-            </a:r>
-            <a:r>
-              <a:rPr lang="de-DE" dirty="0"/>
-              <a:t> in der Liste</a:t>
-            </a:r>
-          </a:p>
-          <a:p>
-            <a:r>
-              <a:rPr lang="de-DE" dirty="0"/>
-              <a:t>Achte darauf, dass die Funktionen immer gleiche Argumente und gleiche Argument </a:t>
-            </a:r>
-            <a:r>
-              <a:rPr lang="de-DE" dirty="0" err="1"/>
-              <a:t>reihenfolge</a:t>
-            </a:r>
-            <a:r>
-              <a:rPr lang="de-DE" dirty="0"/>
-              <a:t> haben</a:t>
-            </a:r>
-          </a:p>
-          <a:p>
-            <a:endParaRPr lang="de-DE" dirty="0"/>
-          </a:p>
-        </p:txBody>
-      </p:sp>
-      <p:pic>
-        <p:nvPicPr>
-          <p:cNvPr id="5" name="Grafik 4">
-            <a:extLst>
-              <a:ext uri="{FF2B5EF4-FFF2-40B4-BE49-F238E27FC236}">
-                <a16:creationId xmlns:a16="http://schemas.microsoft.com/office/drawing/2014/main" id="{D724858C-99A5-4BB5-8422-A096837C79FA}"/>
-              </a:ext>
-            </a:extLst>
-          </p:cNvPr>
-          <p:cNvPicPr>
-            <a:picLocks noChangeAspect="1"/>
-          </p:cNvPicPr>
-          <p:nvPr/>
-        </p:nvPicPr>
-        <p:blipFill>
-          <a:blip r:embed="rId2"/>
-          <a:stretch>
-            <a:fillRect/>
-          </a:stretch>
-        </p:blipFill>
-        <p:spPr>
-          <a:xfrm>
-            <a:off x="641252" y="681038"/>
-            <a:ext cx="6734175" cy="895350"/>
-          </a:xfrm>
-          <a:prstGeom prst="rect">
-            <a:avLst/>
-          </a:prstGeom>
-        </p:spPr>
-      </p:pic>
-      <p:pic>
-        <p:nvPicPr>
-          <p:cNvPr id="7" name="Grafik 6">
-            <a:extLst>
-              <a:ext uri="{FF2B5EF4-FFF2-40B4-BE49-F238E27FC236}">
-                <a16:creationId xmlns:a16="http://schemas.microsoft.com/office/drawing/2014/main" id="{F419FAD7-ED80-4CE0-A43E-CC6864BED1A1}"/>
-              </a:ext>
-            </a:extLst>
-          </p:cNvPr>
-          <p:cNvPicPr>
-            <a:picLocks noChangeAspect="1"/>
-          </p:cNvPicPr>
-          <p:nvPr/>
-        </p:nvPicPr>
-        <p:blipFill>
-          <a:blip r:embed="rId3"/>
-          <a:stretch>
-            <a:fillRect/>
-          </a:stretch>
-        </p:blipFill>
-        <p:spPr>
-          <a:xfrm>
-            <a:off x="303627" y="3443641"/>
-            <a:ext cx="8150697" cy="3173241"/>
-          </a:xfrm>
-          <a:prstGeom prst="rect">
-            <a:avLst/>
-          </a:prstGeom>
-        </p:spPr>
-      </p:pic>
-      <p:sp>
-        <p:nvSpPr>
-          <p:cNvPr id="8" name="Textfeld 7">
-            <a:extLst>
-              <a:ext uri="{FF2B5EF4-FFF2-40B4-BE49-F238E27FC236}">
-                <a16:creationId xmlns:a16="http://schemas.microsoft.com/office/drawing/2014/main" id="{09EF8D12-275C-476F-B648-7E283D255B14}"/>
-              </a:ext>
-            </a:extLst>
-          </p:cNvPr>
-          <p:cNvSpPr txBox="1"/>
-          <p:nvPr/>
-        </p:nvSpPr>
-        <p:spPr>
-          <a:xfrm>
-            <a:off x="8679766" y="4183979"/>
-            <a:ext cx="2870982" cy="1200329"/>
-          </a:xfrm>
-          <a:prstGeom prst="rect">
-            <a:avLst/>
-          </a:prstGeom>
-          <a:noFill/>
-        </p:spPr>
-        <p:txBody>
-          <a:bodyPr wrap="square" rtlCol="0">
-            <a:spAutoFit/>
-          </a:bodyPr>
-          <a:lstStyle/>
-          <a:p>
-            <a:r>
-              <a:rPr lang="de-DE" dirty="0"/>
-              <a:t>Die aufgerufene Funktion erkennt anhand des </a:t>
-            </a:r>
-            <a:r>
-              <a:rPr lang="de-DE" dirty="0" err="1"/>
-              <a:t>command</a:t>
-            </a:r>
-            <a:r>
-              <a:rPr lang="de-DE" dirty="0"/>
-              <a:t>, ob die </a:t>
-            </a:r>
-            <a:r>
-              <a:rPr lang="de-DE" dirty="0" err="1"/>
-              <a:t>nachricht</a:t>
-            </a:r>
-            <a:r>
-              <a:rPr lang="de-DE" dirty="0"/>
-              <a:t> für sie gemeint ist.</a:t>
-            </a:r>
-          </a:p>
-        </p:txBody>
-      </p:sp>
-    </p:spTree>
-    <p:extLst>
-      <p:ext uri="{BB962C8B-B14F-4D97-AF65-F5344CB8AC3E}">
-        <p14:creationId xmlns:p14="http://schemas.microsoft.com/office/powerpoint/2010/main" val="3626422296"/>
-      </p:ext>
-    </p:extLst>
-  </p:cSld>
-  <p:clrMapOvr>
-    <a:masterClrMapping/>
-  </p:clrMapOvr>
-</p:sld>
-</file>
-
-<file path=ppt/slides/slide18.xml><?xml version="1.0" encoding="utf-8"?>
-<p:sld xmlns:a="http://schemas.openxmlformats.org/drawingml/2006/main" xmlns:r="http://schemas.openxmlformats.org/officeDocument/2006/relationships" xmlns:p="http://schemas.openxmlformats.org/presentationml/2006/main">
-  <p:cSld>
-    <p:spTree>
-      <p:nvGrpSpPr>
-        <p:cNvPr id="1" name=""/>
-        <p:cNvGrpSpPr/>
-        <p:nvPr/>
-      </p:nvGrpSpPr>
-      <p:grpSpPr>
-        <a:xfrm>
-          <a:off x="0" y="0"/>
-          <a:ext cx="0" cy="0"/>
-          <a:chOff x="0" y="0"/>
-          <a:chExt cx="0" cy="0"/>
-        </a:xfrm>
-      </p:grpSpPr>
-      <p:sp>
-        <p:nvSpPr>
-          <p:cNvPr id="2" name="Titel 1">
-            <a:extLst>
-              <a:ext uri="{FF2B5EF4-FFF2-40B4-BE49-F238E27FC236}">
-                <a16:creationId xmlns:a16="http://schemas.microsoft.com/office/drawing/2014/main" id="{75954525-751B-43DB-813D-0C815115FD66}"/>
-              </a:ext>
-            </a:extLst>
-          </p:cNvPr>
-          <p:cNvSpPr>
-            <a:spLocks noGrp="1"/>
-          </p:cNvSpPr>
-          <p:nvPr>
-            <p:ph type="title"/>
-          </p:nvPr>
-        </p:nvSpPr>
-        <p:spPr/>
-        <p:txBody>
-          <a:bodyPr/>
-          <a:lstStyle/>
-          <a:p>
-            <a:r>
-              <a:rPr lang="de-DE" dirty="0"/>
-              <a:t>Ports</a:t>
-            </a:r>
-          </a:p>
-        </p:txBody>
-      </p:sp>
-      <p:sp>
-        <p:nvSpPr>
-          <p:cNvPr id="3" name="Inhaltsplatzhalter 2">
-            <a:extLst>
-              <a:ext uri="{FF2B5EF4-FFF2-40B4-BE49-F238E27FC236}">
-                <a16:creationId xmlns:a16="http://schemas.microsoft.com/office/drawing/2014/main" id="{BBD137C8-F57D-422E-A06C-90DDEB95F428}"/>
-              </a:ext>
-            </a:extLst>
-          </p:cNvPr>
-          <p:cNvSpPr>
-            <a:spLocks noGrp="1"/>
-          </p:cNvSpPr>
-          <p:nvPr>
-            <p:ph idx="1"/>
-          </p:nvPr>
-        </p:nvSpPr>
-        <p:spPr/>
-        <p:txBody>
-          <a:bodyPr/>
-          <a:lstStyle/>
-          <a:p>
-            <a:r>
-              <a:rPr lang="de-DE" dirty="0"/>
-              <a:t>Benutzte Portnummern größer 10.000 und kleiner </a:t>
-            </a:r>
-            <a:r>
-              <a:rPr lang="de-DE" b="0" i="0" dirty="0">
-                <a:solidFill>
-                  <a:srgbClr val="2B2B2B"/>
-                </a:solidFill>
-                <a:effectLst/>
-                <a:latin typeface="Helvetica Neue"/>
-              </a:rPr>
-              <a:t>65.535</a:t>
-            </a:r>
-          </a:p>
-          <a:p>
-            <a:r>
-              <a:rPr lang="de-DE" dirty="0">
-                <a:solidFill>
-                  <a:srgbClr val="2B2B2B"/>
-                </a:solidFill>
-                <a:latin typeface="Helvetica Neue"/>
-              </a:rPr>
-              <a:t>Die kleineren könnten reserviert sein (z.B.: 80 </a:t>
-            </a:r>
-            <a:r>
-              <a:rPr lang="de-DE" dirty="0">
-                <a:solidFill>
-                  <a:srgbClr val="2B2B2B"/>
-                </a:solidFill>
-                <a:latin typeface="Helvetica Neue"/>
-                <a:sym typeface="Wingdings" panose="05000000000000000000" pitchFamily="2" charset="2"/>
-              </a:rPr>
-              <a:t> für http)</a:t>
-            </a:r>
-          </a:p>
-          <a:p>
-            <a:r>
-              <a:rPr lang="de-DE" dirty="0">
-                <a:solidFill>
-                  <a:srgbClr val="2B2B2B"/>
-                </a:solidFill>
-                <a:latin typeface="Helvetica Neue"/>
-                <a:sym typeface="Wingdings" panose="05000000000000000000" pitchFamily="2" charset="2"/>
-              </a:rPr>
-              <a:t>Definiere keinen Port für deine </a:t>
-            </a:r>
-            <a:r>
-              <a:rPr lang="de-DE" dirty="0" err="1">
-                <a:solidFill>
-                  <a:srgbClr val="2B2B2B"/>
-                </a:solidFill>
-                <a:latin typeface="Helvetica Neue"/>
-                <a:sym typeface="Wingdings" panose="05000000000000000000" pitchFamily="2" charset="2"/>
-              </a:rPr>
-              <a:t>Unicast</a:t>
-            </a:r>
-            <a:r>
-              <a:rPr lang="de-DE" dirty="0">
-                <a:solidFill>
-                  <a:srgbClr val="2B2B2B"/>
-                </a:solidFill>
-                <a:latin typeface="Helvetica Neue"/>
-                <a:sym typeface="Wingdings" panose="05000000000000000000" pitchFamily="2" charset="2"/>
-              </a:rPr>
-              <a:t> Kommunikation!</a:t>
-            </a:r>
-          </a:p>
-          <a:p>
-            <a:r>
-              <a:rPr lang="de-DE" dirty="0">
-                <a:solidFill>
-                  <a:srgbClr val="2B2B2B"/>
-                </a:solidFill>
-                <a:latin typeface="Helvetica Neue"/>
-                <a:sym typeface="Wingdings" panose="05000000000000000000" pitchFamily="2" charset="2"/>
-              </a:rPr>
-              <a:t>Lass dir vom Betriebssystem einen Freien Port geben</a:t>
-            </a:r>
-          </a:p>
-        </p:txBody>
-      </p:sp>
-      <p:pic>
-        <p:nvPicPr>
-          <p:cNvPr id="5" name="Grafik 4">
-            <a:extLst>
-              <a:ext uri="{FF2B5EF4-FFF2-40B4-BE49-F238E27FC236}">
-                <a16:creationId xmlns:a16="http://schemas.microsoft.com/office/drawing/2014/main" id="{0787552B-C5F5-4C35-B620-AC2F7EA7C931}"/>
-              </a:ext>
-            </a:extLst>
-          </p:cNvPr>
-          <p:cNvPicPr>
-            <a:picLocks noChangeAspect="1"/>
-          </p:cNvPicPr>
-          <p:nvPr/>
-        </p:nvPicPr>
-        <p:blipFill>
-          <a:blip r:embed="rId2"/>
-          <a:stretch>
-            <a:fillRect/>
-          </a:stretch>
-        </p:blipFill>
-        <p:spPr>
-          <a:xfrm>
-            <a:off x="0" y="4072706"/>
-            <a:ext cx="12192000" cy="2239194"/>
-          </a:xfrm>
-          <a:prstGeom prst="rect">
-            <a:avLst/>
-          </a:prstGeom>
-        </p:spPr>
-      </p:pic>
-    </p:spTree>
-    <p:extLst>
-      <p:ext uri="{BB962C8B-B14F-4D97-AF65-F5344CB8AC3E}">
-        <p14:creationId xmlns:p14="http://schemas.microsoft.com/office/powerpoint/2010/main" val="3143209892"/>
-      </p:ext>
-    </p:extLst>
-  </p:cSld>
-  <p:clrMapOvr>
-    <a:masterClrMapping/>
-  </p:clrMapOvr>
-</p:sld>
-</file>
-
-<file path=ppt/slides/slide19.xml><?xml version="1.0" encoding="utf-8"?>
-<p:sld xmlns:a="http://schemas.openxmlformats.org/drawingml/2006/main" xmlns:r="http://schemas.openxmlformats.org/officeDocument/2006/relationships" xmlns:p="http://schemas.openxmlformats.org/presentationml/2006/main">
-  <p:cSld>
-    <p:spTree>
-      <p:nvGrpSpPr>
-        <p:cNvPr id="1" name=""/>
-        <p:cNvGrpSpPr/>
-        <p:nvPr/>
-      </p:nvGrpSpPr>
-      <p:grpSpPr>
-        <a:xfrm>
-          <a:off x="0" y="0"/>
-          <a:ext cx="0" cy="0"/>
-          <a:chOff x="0" y="0"/>
-          <a:chExt cx="0" cy="0"/>
-        </a:xfrm>
-      </p:grpSpPr>
-      <p:sp>
-        <p:nvSpPr>
-          <p:cNvPr id="2" name="Titel 1">
-            <a:extLst>
-              <a:ext uri="{FF2B5EF4-FFF2-40B4-BE49-F238E27FC236}">
-                <a16:creationId xmlns:a16="http://schemas.microsoft.com/office/drawing/2014/main" id="{CE579668-49BC-4F09-A931-D5B7910B23A7}"/>
-              </a:ext>
-            </a:extLst>
-          </p:cNvPr>
-          <p:cNvSpPr>
-            <a:spLocks noGrp="1"/>
-          </p:cNvSpPr>
-          <p:nvPr>
-            <p:ph type="title"/>
-          </p:nvPr>
-        </p:nvSpPr>
-        <p:spPr/>
-        <p:txBody>
-          <a:bodyPr/>
-          <a:lstStyle/>
-          <a:p>
-            <a:r>
-              <a:rPr lang="de-DE" dirty="0" err="1"/>
-              <a:t>Jupyter</a:t>
-            </a:r>
-            <a:r>
-              <a:rPr lang="de-DE" dirty="0"/>
-              <a:t> </a:t>
-            </a:r>
-            <a:r>
-              <a:rPr lang="de-DE" dirty="0" err="1"/>
-              <a:t>notebook</a:t>
-            </a:r>
-            <a:r>
-              <a:rPr lang="de-DE" dirty="0"/>
-              <a:t> zum launchen von </a:t>
-            </a:r>
-            <a:r>
-              <a:rPr lang="de-DE" dirty="0" err="1"/>
-              <a:t>terminals</a:t>
-            </a:r>
-            <a:endParaRPr lang="de-DE" dirty="0"/>
-          </a:p>
-        </p:txBody>
-      </p:sp>
-      <p:pic>
-        <p:nvPicPr>
-          <p:cNvPr id="5" name="Grafik 4">
-            <a:extLst>
-              <a:ext uri="{FF2B5EF4-FFF2-40B4-BE49-F238E27FC236}">
-                <a16:creationId xmlns:a16="http://schemas.microsoft.com/office/drawing/2014/main" id="{5351B70A-6B1F-4E83-AAAD-02799E7210F6}"/>
-              </a:ext>
-            </a:extLst>
-          </p:cNvPr>
-          <p:cNvPicPr>
-            <a:picLocks noChangeAspect="1"/>
-          </p:cNvPicPr>
-          <p:nvPr/>
-        </p:nvPicPr>
-        <p:blipFill>
-          <a:blip r:embed="rId2"/>
-          <a:stretch>
-            <a:fillRect/>
-          </a:stretch>
-        </p:blipFill>
-        <p:spPr>
-          <a:xfrm>
-            <a:off x="669388" y="2344315"/>
-            <a:ext cx="8353425" cy="2419350"/>
-          </a:xfrm>
-          <a:prstGeom prst="rect">
-            <a:avLst/>
-          </a:prstGeom>
-        </p:spPr>
-      </p:pic>
-    </p:spTree>
-    <p:extLst>
-      <p:ext uri="{BB962C8B-B14F-4D97-AF65-F5344CB8AC3E}">
-        <p14:creationId xmlns:p14="http://schemas.microsoft.com/office/powerpoint/2010/main" val="1058978124"/>
       </p:ext>
     </p:extLst>
   </p:cSld>
@@ -6405,7 +6246,7 @@
           <p:cNvPr id="2" name="Titel 1">
             <a:extLst>
               <a:ext uri="{FF2B5EF4-FFF2-40B4-BE49-F238E27FC236}">
-                <a16:creationId xmlns:a16="http://schemas.microsoft.com/office/drawing/2014/main" id="{4727F848-CB16-4643-856D-4B79E5621C70}"/>
+                <a16:creationId xmlns:a16="http://schemas.microsoft.com/office/drawing/2014/main" id="{FFBAE2D4-A212-4346-9E92-70F68BA34131}"/>
               </a:ext>
             </a:extLst>
           </p:cNvPr>
@@ -6423,45 +6264,130 @@
           <a:p>
             <a:r>
               <a:rPr lang="de-DE" dirty="0"/>
-              <a:t>Zu den einzelnen </a:t>
-            </a:r>
-            <a:r>
-              <a:rPr lang="de-DE" dirty="0" err="1"/>
-              <a:t>Requirements</a:t>
+              <a:t>Daten empfangen in einem </a:t>
+            </a:r>
+            <a:r>
+              <a:rPr lang="de-DE" dirty="0" err="1"/>
+              <a:t>Seperaten</a:t>
+            </a:r>
+            <a:r>
+              <a:rPr lang="de-DE" dirty="0"/>
+              <a:t> Thread</a:t>
+            </a:r>
+          </a:p>
+        </p:txBody>
+      </p:sp>
+      <p:sp>
+        <p:nvSpPr>
+          <p:cNvPr id="3" name="Inhaltsplatzhalter 2">
+            <a:extLst>
+              <a:ext uri="{FF2B5EF4-FFF2-40B4-BE49-F238E27FC236}">
+                <a16:creationId xmlns:a16="http://schemas.microsoft.com/office/drawing/2014/main" id="{79219BC0-4365-4C30-B2AA-AB8B0950EB1D}"/>
+              </a:ext>
+            </a:extLst>
+          </p:cNvPr>
+          <p:cNvSpPr>
+            <a:spLocks noGrp="1"/>
+          </p:cNvSpPr>
+          <p:nvPr>
+            <p:ph idx="1"/>
+          </p:nvPr>
+        </p:nvSpPr>
+        <p:spPr/>
+        <p:txBody>
+          <a:bodyPr>
+            <a:normAutofit fontScale="92500" lnSpcReduction="10000"/>
+          </a:bodyPr>
+          <a:lstStyle/>
+          <a:p>
+            <a:r>
+              <a:rPr lang="de-DE" dirty="0"/>
+              <a:t>Du willst immer bereit sein eine Nachricht zu empfangen</a:t>
+            </a:r>
+          </a:p>
+          <a:p>
+            <a:r>
+              <a:rPr lang="de-DE" dirty="0"/>
+              <a:t>Aber </a:t>
+            </a:r>
+            <a:r>
+              <a:rPr lang="de-DE" dirty="0" err="1"/>
+              <a:t>socket.recvfrom</a:t>
+            </a:r>
+            <a:r>
+              <a:rPr lang="de-DE" dirty="0"/>
+              <a:t>(BUFFER_SIZE)   blockiert dein Programm</a:t>
+            </a:r>
+          </a:p>
+          <a:p>
+            <a:r>
+              <a:rPr lang="de-DE" dirty="0"/>
+              <a:t>Du kannst nichts anderes machen, während du auf eine Nachricht wartest</a:t>
+            </a:r>
+          </a:p>
+          <a:p>
+            <a:r>
+              <a:rPr lang="de-DE" dirty="0"/>
+              <a:t>=&gt; Multithreading</a:t>
+            </a:r>
+          </a:p>
+          <a:p>
+            <a:r>
+              <a:rPr lang="de-DE" dirty="0"/>
+              <a:t>Benutze Threading nicht </a:t>
+            </a:r>
+            <a:r>
+              <a:rPr lang="de-DE" dirty="0" err="1"/>
+              <a:t>Multiprocessing</a:t>
             </a:r>
             <a:endParaRPr lang="de-DE" dirty="0"/>
           </a:p>
-        </p:txBody>
-      </p:sp>
-      <p:sp>
-        <p:nvSpPr>
-          <p:cNvPr id="3" name="Textplatzhalter 2">
-            <a:extLst>
-              <a:ext uri="{FF2B5EF4-FFF2-40B4-BE49-F238E27FC236}">
-                <a16:creationId xmlns:a16="http://schemas.microsoft.com/office/drawing/2014/main" id="{10E23F97-C770-4BCE-BD5C-78A16F0E89DB}"/>
-              </a:ext>
-            </a:extLst>
-          </p:cNvPr>
-          <p:cNvSpPr>
-            <a:spLocks noGrp="1"/>
-          </p:cNvSpPr>
-          <p:nvPr>
-            <p:ph type="body" idx="1"/>
-          </p:nvPr>
-        </p:nvSpPr>
-        <p:spPr/>
-        <p:txBody>
-          <a:bodyPr/>
-          <a:lstStyle/>
-          <a:p>
-            <a:endParaRPr lang="de-DE"/>
+          <a:p>
+            <a:r>
+              <a:rPr lang="de-DE" dirty="0">
+                <a:hlinkClick r:id="rId2"/>
+              </a:rPr>
+              <a:t>https://timber.io/blog/multiprocessing-vs-multithreading-in-python-what-you-need-to-know/</a:t>
+            </a:r>
+            <a:endParaRPr lang="de-DE" dirty="0"/>
+          </a:p>
+          <a:p>
+            <a:r>
+              <a:rPr lang="de-DE" dirty="0">
+                <a:hlinkClick r:id="rId3"/>
+              </a:rPr>
+              <a:t>https://medium.com/contentsquare-engineering-blog/multithreading-vs-multiprocessing-in-python-ece023ad55a</a:t>
+            </a:r>
+            <a:endParaRPr lang="de-DE" dirty="0"/>
+          </a:p>
+          <a:p>
+            <a:r>
+              <a:rPr lang="de-DE" dirty="0"/>
+              <a:t>Threading </a:t>
+            </a:r>
+            <a:r>
+              <a:rPr lang="de-DE" dirty="0" err="1"/>
+              <a:t>is</a:t>
+            </a:r>
+            <a:r>
+              <a:rPr lang="de-DE" dirty="0"/>
+              <a:t> </a:t>
+            </a:r>
+            <a:r>
+              <a:rPr lang="de-DE" dirty="0" err="1"/>
+              <a:t>for</a:t>
+            </a:r>
+            <a:r>
+              <a:rPr lang="de-DE" dirty="0"/>
+              <a:t> IO  !!!!</a:t>
+            </a:r>
           </a:p>
         </p:txBody>
       </p:sp>
     </p:spTree>
     <p:extLst>
       <p:ext uri="{BB962C8B-B14F-4D97-AF65-F5344CB8AC3E}">
-        <p14:creationId xmlns:p14="http://schemas.microsoft.com/office/powerpoint/2010/main" val="3080555488"/>
+        <p14:creationId xmlns:p14="http://schemas.microsoft.com/office/powerpoint/2010/main" val="400304511"/>
       </p:ext>
     </p:extLst>
   </p:cSld>
@@ -6493,7 +6419,7 @@
           <p:cNvPr id="2" name="Titel 1">
             <a:extLst>
               <a:ext uri="{FF2B5EF4-FFF2-40B4-BE49-F238E27FC236}">
-                <a16:creationId xmlns:a16="http://schemas.microsoft.com/office/drawing/2014/main" id="{EBFEF8E2-ABD5-449A-B320-802486E72868}"/>
+                <a16:creationId xmlns:a16="http://schemas.microsoft.com/office/drawing/2014/main" id="{4AF2F4FC-6177-4C46-954B-0091FC0EC1C1}"/>
               </a:ext>
             </a:extLst>
           </p:cNvPr>
@@ -6511,128 +6437,169 @@
           <a:p>
             <a:r>
               <a:rPr lang="de-DE" dirty="0"/>
-              <a:t>Dynamic Discovery </a:t>
-            </a:r>
-            <a:r>
-              <a:rPr lang="de-DE" dirty="0" err="1"/>
-              <a:t>of</a:t>
-            </a:r>
-            <a:r>
-              <a:rPr lang="de-DE" dirty="0"/>
-              <a:t> </a:t>
-            </a:r>
-            <a:r>
-              <a:rPr lang="de-DE" dirty="0" err="1"/>
-              <a:t>hosts</a:t>
-            </a:r>
+              <a:t>Multithreading</a:t>
+            </a:r>
+          </a:p>
+        </p:txBody>
+      </p:sp>
+      <p:sp>
+        <p:nvSpPr>
+          <p:cNvPr id="3" name="Inhaltsplatzhalter 2">
+            <a:extLst>
+              <a:ext uri="{FF2B5EF4-FFF2-40B4-BE49-F238E27FC236}">
+                <a16:creationId xmlns:a16="http://schemas.microsoft.com/office/drawing/2014/main" id="{8BBA6EC5-8892-4C8E-B126-0E24794A74B9}"/>
+              </a:ext>
+            </a:extLst>
+          </p:cNvPr>
+          <p:cNvSpPr>
+            <a:spLocks noGrp="1"/>
+          </p:cNvSpPr>
+          <p:nvPr>
+            <p:ph idx="1"/>
+          </p:nvPr>
+        </p:nvSpPr>
+        <p:spPr/>
+        <p:txBody>
+          <a:bodyPr/>
+          <a:lstStyle/>
+          <a:p>
+            <a:r>
+              <a:rPr lang="de-DE" dirty="0"/>
+              <a:t>Einfach die </a:t>
+            </a:r>
+            <a:r>
+              <a:rPr lang="de-DE" dirty="0" err="1"/>
+              <a:t>socket.recfrom</a:t>
+            </a:r>
+            <a:r>
+              <a:rPr lang="de-DE" dirty="0"/>
+              <a:t>()  in ein </a:t>
+            </a:r>
+            <a:r>
+              <a:rPr lang="de-DE" dirty="0" err="1"/>
+              <a:t>try</a:t>
+            </a:r>
+            <a:r>
+              <a:rPr lang="de-DE" dirty="0"/>
+              <a:t>: </a:t>
+            </a:r>
+            <a:r>
+              <a:rPr lang="de-DE" dirty="0" err="1"/>
+              <a:t>exept</a:t>
+            </a:r>
+            <a:r>
+              <a:rPr lang="de-DE" dirty="0"/>
+              <a:t>:  eine </a:t>
+            </a:r>
+            <a:r>
+              <a:rPr lang="de-DE" dirty="0" err="1"/>
+              <a:t>while</a:t>
+            </a:r>
+            <a:r>
+              <a:rPr lang="de-DE" dirty="0"/>
+              <a:t> True:</a:t>
+            </a:r>
+          </a:p>
+          <a:p>
+            <a:r>
+              <a:rPr lang="de-DE" dirty="0"/>
+              <a:t>In eine </a:t>
+            </a:r>
+            <a:r>
+              <a:rPr lang="de-DE" dirty="0" err="1"/>
+              <a:t>funktion</a:t>
+            </a:r>
+            <a:r>
+              <a:rPr lang="de-DE" dirty="0"/>
+              <a:t>, in einem </a:t>
+            </a:r>
+            <a:r>
+              <a:rPr lang="de-DE" dirty="0" err="1"/>
+              <a:t>Seperaten</a:t>
+            </a:r>
+            <a:r>
+              <a:rPr lang="de-DE" dirty="0"/>
+              <a:t> Thread</a:t>
+            </a:r>
+          </a:p>
+          <a:p>
             <a:endParaRPr lang="de-DE" dirty="0"/>
           </a:p>
-        </p:txBody>
-      </p:sp>
-      <p:sp>
-        <p:nvSpPr>
-          <p:cNvPr id="3" name="Inhaltsplatzhalter 2">
-            <a:extLst>
-              <a:ext uri="{FF2B5EF4-FFF2-40B4-BE49-F238E27FC236}">
-                <a16:creationId xmlns:a16="http://schemas.microsoft.com/office/drawing/2014/main" id="{65CB9460-017E-43D5-9BB3-9C60960DCD9E}"/>
-              </a:ext>
-            </a:extLst>
-          </p:cNvPr>
-          <p:cNvSpPr>
-            <a:spLocks noGrp="1"/>
-          </p:cNvSpPr>
-          <p:nvPr>
-            <p:ph idx="1"/>
-          </p:nvPr>
-        </p:nvSpPr>
-        <p:spPr/>
-        <p:txBody>
-          <a:bodyPr/>
-          <a:lstStyle/>
-          <a:p>
-            <a:r>
-              <a:rPr lang="de-DE" dirty="0"/>
-              <a:t>UDP Broadcast/ UDP Multicast</a:t>
-            </a:r>
-          </a:p>
-          <a:p>
-            <a:r>
-              <a:rPr lang="de-DE" dirty="0"/>
-              <a:t>Ein neuer Host muss allen schon laufenden Host sagen, dass er gerne </a:t>
-            </a:r>
-            <a:r>
-              <a:rPr lang="de-DE" dirty="0" err="1"/>
-              <a:t>joinen</a:t>
-            </a:r>
-            <a:r>
-              <a:rPr lang="de-DE" dirty="0"/>
-              <a:t> würde </a:t>
-            </a:r>
-          </a:p>
-          <a:p>
-            <a:r>
-              <a:rPr lang="de-DE" dirty="0"/>
-              <a:t>(sende meine </a:t>
-            </a:r>
-            <a:r>
-              <a:rPr lang="de-DE" dirty="0" err="1"/>
-              <a:t>uuid</a:t>
-            </a:r>
-            <a:r>
-              <a:rPr lang="de-DE" dirty="0"/>
-              <a:t> und die (</a:t>
-            </a:r>
-            <a:r>
-              <a:rPr lang="de-DE" dirty="0" err="1"/>
-              <a:t>IpAdresse</a:t>
-            </a:r>
-            <a:r>
-              <a:rPr lang="de-DE" dirty="0"/>
-              <a:t>, Port) auf der ich erreichbar bin</a:t>
-            </a:r>
-          </a:p>
-          <a:p>
-            <a:r>
-              <a:rPr lang="de-DE" dirty="0"/>
-              <a:t>Schon laufende Hosts müssen dem der </a:t>
-            </a:r>
-            <a:r>
-              <a:rPr lang="de-DE" dirty="0" err="1"/>
-              <a:t>joint</a:t>
-            </a:r>
-            <a:r>
-              <a:rPr lang="de-DE" dirty="0"/>
-              <a:t> mitteilen, wer schon aktiv ist </a:t>
-            </a:r>
-          </a:p>
-          <a:p>
-            <a:r>
-              <a:rPr lang="de-DE" dirty="0"/>
-              <a:t>Entweder senden es ihm alle, oder nur der Leader sendet ihm die ganze Liste (</a:t>
-            </a:r>
-            <a:r>
-              <a:rPr lang="de-DE" dirty="0" err="1"/>
-              <a:t>uuid</a:t>
-            </a:r>
-            <a:r>
-              <a:rPr lang="de-DE" dirty="0"/>
-              <a:t>, </a:t>
-            </a:r>
-            <a:r>
-              <a:rPr lang="de-DE" dirty="0" err="1"/>
-              <a:t>IpAdresse</a:t>
-            </a:r>
-            <a:r>
-              <a:rPr lang="de-DE" dirty="0"/>
-              <a:t>, Port)</a:t>
-            </a:r>
-          </a:p>
-        </p:txBody>
-      </p:sp>
+          <a:p>
+            <a:endParaRPr lang="de-DE" dirty="0"/>
+          </a:p>
+          <a:p>
+            <a:endParaRPr lang="de-DE" dirty="0"/>
+          </a:p>
+          <a:p>
+            <a:r>
+              <a:rPr lang="de-DE" dirty="0"/>
+              <a:t>Bei </a:t>
+            </a:r>
+            <a:r>
+              <a:rPr lang="de-DE" dirty="0" err="1"/>
+              <a:t>target</a:t>
+            </a:r>
+            <a:r>
+              <a:rPr lang="de-DE" dirty="0"/>
+              <a:t>=</a:t>
+            </a:r>
+            <a:r>
+              <a:rPr lang="de-DE" dirty="0" err="1"/>
+              <a:t>self</a:t>
+            </a:r>
+            <a:r>
+              <a:rPr lang="de-DE" dirty="0"/>
+              <a:t>._</a:t>
+            </a:r>
+            <a:r>
+              <a:rPr lang="de-DE" dirty="0" err="1"/>
+              <a:t>listenUnicast</a:t>
+            </a:r>
+            <a:r>
+              <a:rPr lang="de-DE" dirty="0"/>
+              <a:t>    keine ()   sonst wird die Funktion ausgeführt! Du willst aber den Pointer zur Funktion übergeben!</a:t>
+            </a:r>
+          </a:p>
+          <a:p>
+            <a:endParaRPr lang="de-DE" dirty="0"/>
+          </a:p>
+        </p:txBody>
+      </p:sp>
+      <p:pic>
+        <p:nvPicPr>
+          <p:cNvPr id="6" name="Inhaltsplatzhalter 4">
+            <a:extLst>
+              <a:ext uri="{FF2B5EF4-FFF2-40B4-BE49-F238E27FC236}">
+                <a16:creationId xmlns:a16="http://schemas.microsoft.com/office/drawing/2014/main" id="{3BD6521C-3EEA-4785-BEF0-EA3EBF88EA7E}"/>
+              </a:ext>
+            </a:extLst>
+          </p:cNvPr>
+          <p:cNvPicPr>
+            <a:picLocks noChangeAspect="1"/>
+          </p:cNvPicPr>
+          <p:nvPr/>
+        </p:nvPicPr>
+        <p:blipFill>
+          <a:blip r:embed="rId2"/>
+          <a:stretch>
+            <a:fillRect/>
+          </a:stretch>
+        </p:blipFill>
+        <p:spPr>
+          <a:xfrm>
+            <a:off x="1122409" y="3192177"/>
+            <a:ext cx="8486775" cy="971550"/>
+          </a:xfrm>
+          <a:prstGeom prst="rect">
+            <a:avLst/>
+          </a:prstGeom>
+        </p:spPr>
+      </p:pic>
     </p:spTree>
     <p:extLst>
       <p:ext uri="{BB962C8B-B14F-4D97-AF65-F5344CB8AC3E}">
-        <p14:creationId xmlns:p14="http://schemas.microsoft.com/office/powerpoint/2010/main" val="3019044097"/>
+        <p14:creationId xmlns:p14="http://schemas.microsoft.com/office/powerpoint/2010/main" val="3012124094"/>
       </p:ext>
     </p:extLst>
   </p:cSld>
@@ -6664,6 +6631,957 @@
           <p:cNvPr id="2" name="Titel 1">
             <a:extLst>
               <a:ext uri="{FF2B5EF4-FFF2-40B4-BE49-F238E27FC236}">
+                <a16:creationId xmlns:a16="http://schemas.microsoft.com/office/drawing/2014/main" id="{F1988C90-434A-44D1-886E-884D41A2F7D0}"/>
+              </a:ext>
+            </a:extLst>
+          </p:cNvPr>
+          <p:cNvSpPr>
+            <a:spLocks noGrp="1"/>
+          </p:cNvSpPr>
+          <p:nvPr>
+            <p:ph type="title"/>
+          </p:nvPr>
+        </p:nvSpPr>
+        <p:spPr/>
+        <p:txBody>
+          <a:bodyPr/>
+          <a:lstStyle/>
+          <a:p>
+            <a:r>
+              <a:rPr lang="de-DE" dirty="0"/>
+              <a:t>Observer Pattern</a:t>
+            </a:r>
+          </a:p>
+        </p:txBody>
+      </p:sp>
+      <p:sp>
+        <p:nvSpPr>
+          <p:cNvPr id="3" name="Inhaltsplatzhalter 2">
+            <a:extLst>
+              <a:ext uri="{FF2B5EF4-FFF2-40B4-BE49-F238E27FC236}">
+                <a16:creationId xmlns:a16="http://schemas.microsoft.com/office/drawing/2014/main" id="{553AC1F4-4B09-4ADE-824F-B241F97482AA}"/>
+              </a:ext>
+            </a:extLst>
+          </p:cNvPr>
+          <p:cNvSpPr>
+            <a:spLocks noGrp="1"/>
+          </p:cNvSpPr>
+          <p:nvPr>
+            <p:ph idx="1"/>
+          </p:nvPr>
+        </p:nvSpPr>
+        <p:spPr/>
+        <p:txBody>
+          <a:bodyPr/>
+          <a:lstStyle/>
+          <a:p>
+            <a:r>
+              <a:rPr lang="de-DE" dirty="0"/>
+              <a:t>Du hast jetzt einen Thread, der alle Nachrichten empfängt.</a:t>
+            </a:r>
+          </a:p>
+          <a:p>
+            <a:r>
+              <a:rPr lang="de-DE" dirty="0"/>
+              <a:t>Was machst du aber jetzt mit diesen Nachrichten?</a:t>
+            </a:r>
+          </a:p>
+          <a:p>
+            <a:r>
+              <a:rPr lang="de-DE" dirty="0"/>
+              <a:t>Wie bindest du sie in deinen Hauptcode ein ?</a:t>
+            </a:r>
+          </a:p>
+          <a:p>
+            <a:r>
+              <a:rPr lang="de-DE" dirty="0"/>
+              <a:t>=&gt; Observer Pattern </a:t>
+            </a:r>
+          </a:p>
+        </p:txBody>
+      </p:sp>
+      <p:pic>
+        <p:nvPicPr>
+          <p:cNvPr id="7" name="Grafik 6">
+            <a:extLst>
+              <a:ext uri="{FF2B5EF4-FFF2-40B4-BE49-F238E27FC236}">
+                <a16:creationId xmlns:a16="http://schemas.microsoft.com/office/drawing/2014/main" id="{BC93FDE9-AB23-44D6-B8C8-05074C20D7D5}"/>
+              </a:ext>
+            </a:extLst>
+          </p:cNvPr>
+          <p:cNvPicPr>
+            <a:picLocks noChangeAspect="1"/>
+          </p:cNvPicPr>
+          <p:nvPr/>
+        </p:nvPicPr>
+        <p:blipFill>
+          <a:blip r:embed="rId2"/>
+          <a:stretch>
+            <a:fillRect/>
+          </a:stretch>
+        </p:blipFill>
+        <p:spPr>
+          <a:xfrm>
+            <a:off x="1309412" y="3876304"/>
+            <a:ext cx="5534025" cy="962025"/>
+          </a:xfrm>
+          <a:prstGeom prst="rect">
+            <a:avLst/>
+          </a:prstGeom>
+        </p:spPr>
+      </p:pic>
+      <p:pic>
+        <p:nvPicPr>
+          <p:cNvPr id="9" name="Grafik 8">
+            <a:extLst>
+              <a:ext uri="{FF2B5EF4-FFF2-40B4-BE49-F238E27FC236}">
+                <a16:creationId xmlns:a16="http://schemas.microsoft.com/office/drawing/2014/main" id="{18446C1B-9B2E-4123-A6C6-964B5164E629}"/>
+              </a:ext>
+            </a:extLst>
+          </p:cNvPr>
+          <p:cNvPicPr>
+            <a:picLocks noChangeAspect="1"/>
+          </p:cNvPicPr>
+          <p:nvPr/>
+        </p:nvPicPr>
+        <p:blipFill>
+          <a:blip r:embed="rId3"/>
+          <a:stretch>
+            <a:fillRect/>
+          </a:stretch>
+        </p:blipFill>
+        <p:spPr>
+          <a:xfrm>
+            <a:off x="1691295" y="5074630"/>
+            <a:ext cx="7953375" cy="1771650"/>
+          </a:xfrm>
+          <a:prstGeom prst="rect">
+            <a:avLst/>
+          </a:prstGeom>
+        </p:spPr>
+      </p:pic>
+    </p:spTree>
+    <p:extLst>
+      <p:ext uri="{BB962C8B-B14F-4D97-AF65-F5344CB8AC3E}">
+        <p14:creationId xmlns:p14="http://schemas.microsoft.com/office/powerpoint/2010/main" val="2373471591"/>
+      </p:ext>
+    </p:extLst>
+  </p:cSld>
+  <p:clrMapOvr>
+    <a:masterClrMapping/>
+  </p:clrMapOvr>
+</p:sld>
+</file>
+
+<file path=ppt/slides/slide23.xml><?xml version="1.0" encoding="utf-8"?>
+<p:sld xmlns:a="http://schemas.openxmlformats.org/drawingml/2006/main" xmlns:r="http://schemas.openxmlformats.org/officeDocument/2006/relationships" xmlns:p="http://schemas.openxmlformats.org/presentationml/2006/main">
+  <p:cSld>
+    <p:spTree>
+      <p:nvGrpSpPr>
+        <p:cNvPr id="1" name=""/>
+        <p:cNvGrpSpPr/>
+        <p:nvPr/>
+      </p:nvGrpSpPr>
+      <p:grpSpPr>
+        <a:xfrm>
+          <a:off x="0" y="0"/>
+          <a:ext cx="0" cy="0"/>
+          <a:chOff x="0" y="0"/>
+          <a:chExt cx="0" cy="0"/>
+        </a:xfrm>
+      </p:grpSpPr>
+      <p:sp>
+        <p:nvSpPr>
+          <p:cNvPr id="2" name="Titel 1">
+            <a:extLst>
+              <a:ext uri="{FF2B5EF4-FFF2-40B4-BE49-F238E27FC236}">
+                <a16:creationId xmlns:a16="http://schemas.microsoft.com/office/drawing/2014/main" id="{BBB5E2D5-4EC3-4EF9-838B-823462D36631}"/>
+              </a:ext>
+            </a:extLst>
+          </p:cNvPr>
+          <p:cNvSpPr>
+            <a:spLocks noGrp="1"/>
+          </p:cNvSpPr>
+          <p:nvPr>
+            <p:ph type="title"/>
+          </p:nvPr>
+        </p:nvSpPr>
+        <p:spPr>
+          <a:xfrm>
+            <a:off x="7642274" y="485603"/>
+            <a:ext cx="4549726" cy="1325563"/>
+          </a:xfrm>
+        </p:spPr>
+        <p:txBody>
+          <a:bodyPr/>
+          <a:lstStyle/>
+          <a:p>
+            <a:r>
+              <a:rPr lang="de-DE" dirty="0"/>
+              <a:t>Observer Pattern</a:t>
+            </a:r>
+          </a:p>
+        </p:txBody>
+      </p:sp>
+      <p:sp>
+        <p:nvSpPr>
+          <p:cNvPr id="3" name="Inhaltsplatzhalter 2">
+            <a:extLst>
+              <a:ext uri="{FF2B5EF4-FFF2-40B4-BE49-F238E27FC236}">
+                <a16:creationId xmlns:a16="http://schemas.microsoft.com/office/drawing/2014/main" id="{231EAEC2-D7A5-4117-9887-8BCA8B012573}"/>
+              </a:ext>
+            </a:extLst>
+          </p:cNvPr>
+          <p:cNvSpPr>
+            <a:spLocks noGrp="1"/>
+          </p:cNvSpPr>
+          <p:nvPr>
+            <p:ph idx="1"/>
+          </p:nvPr>
+        </p:nvSpPr>
+        <p:spPr>
+          <a:xfrm>
+            <a:off x="641252" y="1811166"/>
+            <a:ext cx="10515600" cy="3264951"/>
+          </a:xfrm>
+        </p:spPr>
+        <p:txBody>
+          <a:bodyPr/>
+          <a:lstStyle/>
+          <a:p>
+            <a:r>
+              <a:rPr lang="de-DE" dirty="0"/>
+              <a:t>Ausführen jeder </a:t>
+            </a:r>
+            <a:r>
+              <a:rPr lang="de-DE" dirty="0" err="1"/>
+              <a:t>funktion</a:t>
+            </a:r>
+            <a:r>
+              <a:rPr lang="de-DE" dirty="0"/>
+              <a:t> in der Liste</a:t>
+            </a:r>
+          </a:p>
+          <a:p>
+            <a:r>
+              <a:rPr lang="de-DE" dirty="0"/>
+              <a:t>Achte darauf, dass die Funktionen immer gleiche Argumente und gleiche Argument </a:t>
+            </a:r>
+            <a:r>
+              <a:rPr lang="de-DE" dirty="0" err="1"/>
+              <a:t>reihenfolge</a:t>
+            </a:r>
+            <a:r>
+              <a:rPr lang="de-DE" dirty="0"/>
+              <a:t> haben</a:t>
+            </a:r>
+          </a:p>
+          <a:p>
+            <a:endParaRPr lang="de-DE" dirty="0"/>
+          </a:p>
+        </p:txBody>
+      </p:sp>
+      <p:pic>
+        <p:nvPicPr>
+          <p:cNvPr id="5" name="Grafik 4">
+            <a:extLst>
+              <a:ext uri="{FF2B5EF4-FFF2-40B4-BE49-F238E27FC236}">
+                <a16:creationId xmlns:a16="http://schemas.microsoft.com/office/drawing/2014/main" id="{D724858C-99A5-4BB5-8422-A096837C79FA}"/>
+              </a:ext>
+            </a:extLst>
+          </p:cNvPr>
+          <p:cNvPicPr>
+            <a:picLocks noChangeAspect="1"/>
+          </p:cNvPicPr>
+          <p:nvPr/>
+        </p:nvPicPr>
+        <p:blipFill>
+          <a:blip r:embed="rId2"/>
+          <a:stretch>
+            <a:fillRect/>
+          </a:stretch>
+        </p:blipFill>
+        <p:spPr>
+          <a:xfrm>
+            <a:off x="641252" y="681038"/>
+            <a:ext cx="6734175" cy="895350"/>
+          </a:xfrm>
+          <a:prstGeom prst="rect">
+            <a:avLst/>
+          </a:prstGeom>
+        </p:spPr>
+      </p:pic>
+      <p:pic>
+        <p:nvPicPr>
+          <p:cNvPr id="7" name="Grafik 6">
+            <a:extLst>
+              <a:ext uri="{FF2B5EF4-FFF2-40B4-BE49-F238E27FC236}">
+                <a16:creationId xmlns:a16="http://schemas.microsoft.com/office/drawing/2014/main" id="{F419FAD7-ED80-4CE0-A43E-CC6864BED1A1}"/>
+              </a:ext>
+            </a:extLst>
+          </p:cNvPr>
+          <p:cNvPicPr>
+            <a:picLocks noChangeAspect="1"/>
+          </p:cNvPicPr>
+          <p:nvPr/>
+        </p:nvPicPr>
+        <p:blipFill>
+          <a:blip r:embed="rId3"/>
+          <a:stretch>
+            <a:fillRect/>
+          </a:stretch>
+        </p:blipFill>
+        <p:spPr>
+          <a:xfrm>
+            <a:off x="303627" y="3443641"/>
+            <a:ext cx="8150697" cy="3173241"/>
+          </a:xfrm>
+          <a:prstGeom prst="rect">
+            <a:avLst/>
+          </a:prstGeom>
+        </p:spPr>
+      </p:pic>
+      <p:sp>
+        <p:nvSpPr>
+          <p:cNvPr id="8" name="Textfeld 7">
+            <a:extLst>
+              <a:ext uri="{FF2B5EF4-FFF2-40B4-BE49-F238E27FC236}">
+                <a16:creationId xmlns:a16="http://schemas.microsoft.com/office/drawing/2014/main" id="{09EF8D12-275C-476F-B648-7E283D255B14}"/>
+              </a:ext>
+            </a:extLst>
+          </p:cNvPr>
+          <p:cNvSpPr txBox="1"/>
+          <p:nvPr/>
+        </p:nvSpPr>
+        <p:spPr>
+          <a:xfrm>
+            <a:off x="8679766" y="4183979"/>
+            <a:ext cx="2870982" cy="1200329"/>
+          </a:xfrm>
+          <a:prstGeom prst="rect">
+            <a:avLst/>
+          </a:prstGeom>
+          <a:noFill/>
+        </p:spPr>
+        <p:txBody>
+          <a:bodyPr wrap="square" rtlCol="0">
+            <a:spAutoFit/>
+          </a:bodyPr>
+          <a:lstStyle/>
+          <a:p>
+            <a:r>
+              <a:rPr lang="de-DE" dirty="0"/>
+              <a:t>Die aufgerufene Funktion erkennt anhand des </a:t>
+            </a:r>
+            <a:r>
+              <a:rPr lang="de-DE" dirty="0" err="1"/>
+              <a:t>command</a:t>
+            </a:r>
+            <a:r>
+              <a:rPr lang="de-DE" dirty="0"/>
+              <a:t>, ob die </a:t>
+            </a:r>
+            <a:r>
+              <a:rPr lang="de-DE" dirty="0" err="1"/>
+              <a:t>nachricht</a:t>
+            </a:r>
+            <a:r>
+              <a:rPr lang="de-DE" dirty="0"/>
+              <a:t> für sie gemeint ist.</a:t>
+            </a:r>
+          </a:p>
+        </p:txBody>
+      </p:sp>
+    </p:spTree>
+    <p:extLst>
+      <p:ext uri="{BB962C8B-B14F-4D97-AF65-F5344CB8AC3E}">
+        <p14:creationId xmlns:p14="http://schemas.microsoft.com/office/powerpoint/2010/main" val="3626422296"/>
+      </p:ext>
+    </p:extLst>
+  </p:cSld>
+  <p:clrMapOvr>
+    <a:masterClrMapping/>
+  </p:clrMapOvr>
+</p:sld>
+</file>
+
+<file path=ppt/slides/slide24.xml><?xml version="1.0" encoding="utf-8"?>
+<p:sld xmlns:a="http://schemas.openxmlformats.org/drawingml/2006/main" xmlns:r="http://schemas.openxmlformats.org/officeDocument/2006/relationships" xmlns:p="http://schemas.openxmlformats.org/presentationml/2006/main">
+  <p:cSld>
+    <p:spTree>
+      <p:nvGrpSpPr>
+        <p:cNvPr id="1" name=""/>
+        <p:cNvGrpSpPr/>
+        <p:nvPr/>
+      </p:nvGrpSpPr>
+      <p:grpSpPr>
+        <a:xfrm>
+          <a:off x="0" y="0"/>
+          <a:ext cx="0" cy="0"/>
+          <a:chOff x="0" y="0"/>
+          <a:chExt cx="0" cy="0"/>
+        </a:xfrm>
+      </p:grpSpPr>
+      <p:sp>
+        <p:nvSpPr>
+          <p:cNvPr id="2" name="Titel 1">
+            <a:extLst>
+              <a:ext uri="{FF2B5EF4-FFF2-40B4-BE49-F238E27FC236}">
+                <a16:creationId xmlns:a16="http://schemas.microsoft.com/office/drawing/2014/main" id="{75954525-751B-43DB-813D-0C815115FD66}"/>
+              </a:ext>
+            </a:extLst>
+          </p:cNvPr>
+          <p:cNvSpPr>
+            <a:spLocks noGrp="1"/>
+          </p:cNvSpPr>
+          <p:nvPr>
+            <p:ph type="title"/>
+          </p:nvPr>
+        </p:nvSpPr>
+        <p:spPr/>
+        <p:txBody>
+          <a:bodyPr/>
+          <a:lstStyle/>
+          <a:p>
+            <a:r>
+              <a:rPr lang="de-DE" dirty="0"/>
+              <a:t>Ports</a:t>
+            </a:r>
+          </a:p>
+        </p:txBody>
+      </p:sp>
+      <p:sp>
+        <p:nvSpPr>
+          <p:cNvPr id="3" name="Inhaltsplatzhalter 2">
+            <a:extLst>
+              <a:ext uri="{FF2B5EF4-FFF2-40B4-BE49-F238E27FC236}">
+                <a16:creationId xmlns:a16="http://schemas.microsoft.com/office/drawing/2014/main" id="{BBD137C8-F57D-422E-A06C-90DDEB95F428}"/>
+              </a:ext>
+            </a:extLst>
+          </p:cNvPr>
+          <p:cNvSpPr>
+            <a:spLocks noGrp="1"/>
+          </p:cNvSpPr>
+          <p:nvPr>
+            <p:ph idx="1"/>
+          </p:nvPr>
+        </p:nvSpPr>
+        <p:spPr/>
+        <p:txBody>
+          <a:bodyPr/>
+          <a:lstStyle/>
+          <a:p>
+            <a:r>
+              <a:rPr lang="de-DE" dirty="0"/>
+              <a:t>Benutzte Portnummern größer 10.000 und kleiner </a:t>
+            </a:r>
+            <a:r>
+              <a:rPr lang="de-DE" b="0" i="0" dirty="0">
+                <a:solidFill>
+                  <a:srgbClr val="2B2B2B"/>
+                </a:solidFill>
+                <a:effectLst/>
+                <a:latin typeface="Helvetica Neue"/>
+              </a:rPr>
+              <a:t>65.535</a:t>
+            </a:r>
+          </a:p>
+          <a:p>
+            <a:r>
+              <a:rPr lang="de-DE" dirty="0">
+                <a:solidFill>
+                  <a:srgbClr val="2B2B2B"/>
+                </a:solidFill>
+                <a:latin typeface="Helvetica Neue"/>
+              </a:rPr>
+              <a:t>Die kleineren könnten reserviert sein (z.B.: 80 </a:t>
+            </a:r>
+            <a:r>
+              <a:rPr lang="de-DE" dirty="0">
+                <a:solidFill>
+                  <a:srgbClr val="2B2B2B"/>
+                </a:solidFill>
+                <a:latin typeface="Helvetica Neue"/>
+                <a:sym typeface="Wingdings" panose="05000000000000000000" pitchFamily="2" charset="2"/>
+              </a:rPr>
+              <a:t> für http)</a:t>
+            </a:r>
+          </a:p>
+          <a:p>
+            <a:r>
+              <a:rPr lang="de-DE" dirty="0">
+                <a:solidFill>
+                  <a:srgbClr val="2B2B2B"/>
+                </a:solidFill>
+                <a:latin typeface="Helvetica Neue"/>
+                <a:sym typeface="Wingdings" panose="05000000000000000000" pitchFamily="2" charset="2"/>
+              </a:rPr>
+              <a:t>Definiere keinen Port für deine </a:t>
+            </a:r>
+            <a:r>
+              <a:rPr lang="de-DE" dirty="0" err="1">
+                <a:solidFill>
+                  <a:srgbClr val="2B2B2B"/>
+                </a:solidFill>
+                <a:latin typeface="Helvetica Neue"/>
+                <a:sym typeface="Wingdings" panose="05000000000000000000" pitchFamily="2" charset="2"/>
+              </a:rPr>
+              <a:t>Unicast</a:t>
+            </a:r>
+            <a:r>
+              <a:rPr lang="de-DE" dirty="0">
+                <a:solidFill>
+                  <a:srgbClr val="2B2B2B"/>
+                </a:solidFill>
+                <a:latin typeface="Helvetica Neue"/>
+                <a:sym typeface="Wingdings" panose="05000000000000000000" pitchFamily="2" charset="2"/>
+              </a:rPr>
+              <a:t> Kommunikation!</a:t>
+            </a:r>
+          </a:p>
+          <a:p>
+            <a:r>
+              <a:rPr lang="de-DE" dirty="0">
+                <a:solidFill>
+                  <a:srgbClr val="2B2B2B"/>
+                </a:solidFill>
+                <a:latin typeface="Helvetica Neue"/>
+                <a:sym typeface="Wingdings" panose="05000000000000000000" pitchFamily="2" charset="2"/>
+              </a:rPr>
+              <a:t>Lass dir vom Betriebssystem einen Freien Port geben</a:t>
+            </a:r>
+          </a:p>
+        </p:txBody>
+      </p:sp>
+      <p:pic>
+        <p:nvPicPr>
+          <p:cNvPr id="5" name="Grafik 4">
+            <a:extLst>
+              <a:ext uri="{FF2B5EF4-FFF2-40B4-BE49-F238E27FC236}">
+                <a16:creationId xmlns:a16="http://schemas.microsoft.com/office/drawing/2014/main" id="{0787552B-C5F5-4C35-B620-AC2F7EA7C931}"/>
+              </a:ext>
+            </a:extLst>
+          </p:cNvPr>
+          <p:cNvPicPr>
+            <a:picLocks noChangeAspect="1"/>
+          </p:cNvPicPr>
+          <p:nvPr/>
+        </p:nvPicPr>
+        <p:blipFill>
+          <a:blip r:embed="rId2"/>
+          <a:stretch>
+            <a:fillRect/>
+          </a:stretch>
+        </p:blipFill>
+        <p:spPr>
+          <a:xfrm>
+            <a:off x="0" y="4072706"/>
+            <a:ext cx="12192000" cy="2239194"/>
+          </a:xfrm>
+          <a:prstGeom prst="rect">
+            <a:avLst/>
+          </a:prstGeom>
+        </p:spPr>
+      </p:pic>
+    </p:spTree>
+    <p:extLst>
+      <p:ext uri="{BB962C8B-B14F-4D97-AF65-F5344CB8AC3E}">
+        <p14:creationId xmlns:p14="http://schemas.microsoft.com/office/powerpoint/2010/main" val="3143209892"/>
+      </p:ext>
+    </p:extLst>
+  </p:cSld>
+  <p:clrMapOvr>
+    <a:masterClrMapping/>
+  </p:clrMapOvr>
+</p:sld>
+</file>
+
+<file path=ppt/slides/slide25.xml><?xml version="1.0" encoding="utf-8"?>
+<p:sld xmlns:a="http://schemas.openxmlformats.org/drawingml/2006/main" xmlns:r="http://schemas.openxmlformats.org/officeDocument/2006/relationships" xmlns:p="http://schemas.openxmlformats.org/presentationml/2006/main">
+  <p:cSld>
+    <p:spTree>
+      <p:nvGrpSpPr>
+        <p:cNvPr id="1" name=""/>
+        <p:cNvGrpSpPr/>
+        <p:nvPr/>
+      </p:nvGrpSpPr>
+      <p:grpSpPr>
+        <a:xfrm>
+          <a:off x="0" y="0"/>
+          <a:ext cx="0" cy="0"/>
+          <a:chOff x="0" y="0"/>
+          <a:chExt cx="0" cy="0"/>
+        </a:xfrm>
+      </p:grpSpPr>
+      <p:sp>
+        <p:nvSpPr>
+          <p:cNvPr id="2" name="Titel 1">
+            <a:extLst>
+              <a:ext uri="{FF2B5EF4-FFF2-40B4-BE49-F238E27FC236}">
+                <a16:creationId xmlns:a16="http://schemas.microsoft.com/office/drawing/2014/main" id="{CE579668-49BC-4F09-A931-D5B7910B23A7}"/>
+              </a:ext>
+            </a:extLst>
+          </p:cNvPr>
+          <p:cNvSpPr>
+            <a:spLocks noGrp="1"/>
+          </p:cNvSpPr>
+          <p:nvPr>
+            <p:ph type="title"/>
+          </p:nvPr>
+        </p:nvSpPr>
+        <p:spPr/>
+        <p:txBody>
+          <a:bodyPr/>
+          <a:lstStyle/>
+          <a:p>
+            <a:r>
+              <a:rPr lang="de-DE" dirty="0" err="1"/>
+              <a:t>Jupyter</a:t>
+            </a:r>
+            <a:r>
+              <a:rPr lang="de-DE" dirty="0"/>
+              <a:t> </a:t>
+            </a:r>
+            <a:r>
+              <a:rPr lang="de-DE" dirty="0" err="1"/>
+              <a:t>notebook</a:t>
+            </a:r>
+            <a:r>
+              <a:rPr lang="de-DE" dirty="0"/>
+              <a:t> zum launchen von </a:t>
+            </a:r>
+            <a:r>
+              <a:rPr lang="de-DE" dirty="0" err="1"/>
+              <a:t>terminals</a:t>
+            </a:r>
+            <a:endParaRPr lang="de-DE" dirty="0"/>
+          </a:p>
+        </p:txBody>
+      </p:sp>
+      <p:pic>
+        <p:nvPicPr>
+          <p:cNvPr id="5" name="Grafik 4">
+            <a:extLst>
+              <a:ext uri="{FF2B5EF4-FFF2-40B4-BE49-F238E27FC236}">
+                <a16:creationId xmlns:a16="http://schemas.microsoft.com/office/drawing/2014/main" id="{5351B70A-6B1F-4E83-AAAD-02799E7210F6}"/>
+              </a:ext>
+            </a:extLst>
+          </p:cNvPr>
+          <p:cNvPicPr>
+            <a:picLocks noChangeAspect="1"/>
+          </p:cNvPicPr>
+          <p:nvPr/>
+        </p:nvPicPr>
+        <p:blipFill>
+          <a:blip r:embed="rId2"/>
+          <a:stretch>
+            <a:fillRect/>
+          </a:stretch>
+        </p:blipFill>
+        <p:spPr>
+          <a:xfrm>
+            <a:off x="669388" y="2344315"/>
+            <a:ext cx="8353425" cy="2419350"/>
+          </a:xfrm>
+          <a:prstGeom prst="rect">
+            <a:avLst/>
+          </a:prstGeom>
+        </p:spPr>
+      </p:pic>
+    </p:spTree>
+    <p:extLst>
+      <p:ext uri="{BB962C8B-B14F-4D97-AF65-F5344CB8AC3E}">
+        <p14:creationId xmlns:p14="http://schemas.microsoft.com/office/powerpoint/2010/main" val="1058978124"/>
+      </p:ext>
+    </p:extLst>
+  </p:cSld>
+  <p:clrMapOvr>
+    <a:masterClrMapping/>
+  </p:clrMapOvr>
+</p:sld>
+</file>
+
+<file path=ppt/slides/slide26.xml><?xml version="1.0" encoding="utf-8"?>
+<p:sld xmlns:a="http://schemas.openxmlformats.org/drawingml/2006/main" xmlns:r="http://schemas.openxmlformats.org/officeDocument/2006/relationships" xmlns:p="http://schemas.openxmlformats.org/presentationml/2006/main">
+  <p:cSld>
+    <p:spTree>
+      <p:nvGrpSpPr>
+        <p:cNvPr id="1" name=""/>
+        <p:cNvGrpSpPr/>
+        <p:nvPr/>
+      </p:nvGrpSpPr>
+      <p:grpSpPr>
+        <a:xfrm>
+          <a:off x="0" y="0"/>
+          <a:ext cx="0" cy="0"/>
+          <a:chOff x="0" y="0"/>
+          <a:chExt cx="0" cy="0"/>
+        </a:xfrm>
+      </p:grpSpPr>
+      <p:sp>
+        <p:nvSpPr>
+          <p:cNvPr id="2" name="Titel 1">
+            <a:extLst>
+              <a:ext uri="{FF2B5EF4-FFF2-40B4-BE49-F238E27FC236}">
+                <a16:creationId xmlns:a16="http://schemas.microsoft.com/office/drawing/2014/main" id="{4727F848-CB16-4643-856D-4B79E5621C70}"/>
+              </a:ext>
+            </a:extLst>
+          </p:cNvPr>
+          <p:cNvSpPr>
+            <a:spLocks noGrp="1"/>
+          </p:cNvSpPr>
+          <p:nvPr>
+            <p:ph type="title"/>
+          </p:nvPr>
+        </p:nvSpPr>
+        <p:spPr/>
+        <p:txBody>
+          <a:bodyPr/>
+          <a:lstStyle/>
+          <a:p>
+            <a:r>
+              <a:rPr lang="de-DE" dirty="0"/>
+              <a:t>Zu den einzelnen </a:t>
+            </a:r>
+            <a:r>
+              <a:rPr lang="de-DE" dirty="0" err="1"/>
+              <a:t>Requirements</a:t>
+            </a:r>
+            <a:endParaRPr lang="de-DE" dirty="0"/>
+          </a:p>
+        </p:txBody>
+      </p:sp>
+      <p:sp>
+        <p:nvSpPr>
+          <p:cNvPr id="3" name="Textplatzhalter 2">
+            <a:extLst>
+              <a:ext uri="{FF2B5EF4-FFF2-40B4-BE49-F238E27FC236}">
+                <a16:creationId xmlns:a16="http://schemas.microsoft.com/office/drawing/2014/main" id="{10E23F97-C770-4BCE-BD5C-78A16F0E89DB}"/>
+              </a:ext>
+            </a:extLst>
+          </p:cNvPr>
+          <p:cNvSpPr>
+            <a:spLocks noGrp="1"/>
+          </p:cNvSpPr>
+          <p:nvPr>
+            <p:ph type="body" idx="1"/>
+          </p:nvPr>
+        </p:nvSpPr>
+        <p:spPr/>
+        <p:txBody>
+          <a:bodyPr/>
+          <a:lstStyle/>
+          <a:p>
+            <a:endParaRPr lang="de-DE"/>
+          </a:p>
+        </p:txBody>
+      </p:sp>
+    </p:spTree>
+    <p:extLst>
+      <p:ext uri="{BB962C8B-B14F-4D97-AF65-F5344CB8AC3E}">
+        <p14:creationId xmlns:p14="http://schemas.microsoft.com/office/powerpoint/2010/main" val="3080555488"/>
+      </p:ext>
+    </p:extLst>
+  </p:cSld>
+  <p:clrMapOvr>
+    <a:masterClrMapping/>
+  </p:clrMapOvr>
+</p:sld>
+</file>
+
+<file path=ppt/slides/slide27.xml><?xml version="1.0" encoding="utf-8"?>
+<p:sld xmlns:a="http://schemas.openxmlformats.org/drawingml/2006/main" xmlns:r="http://schemas.openxmlformats.org/officeDocument/2006/relationships" xmlns:p="http://schemas.openxmlformats.org/presentationml/2006/main">
+  <p:cSld>
+    <p:spTree>
+      <p:nvGrpSpPr>
+        <p:cNvPr id="1" name=""/>
+        <p:cNvGrpSpPr/>
+        <p:nvPr/>
+      </p:nvGrpSpPr>
+      <p:grpSpPr>
+        <a:xfrm>
+          <a:off x="0" y="0"/>
+          <a:ext cx="0" cy="0"/>
+          <a:chOff x="0" y="0"/>
+          <a:chExt cx="0" cy="0"/>
+        </a:xfrm>
+      </p:grpSpPr>
+      <p:sp>
+        <p:nvSpPr>
+          <p:cNvPr id="2" name="Titel 1">
+            <a:extLst>
+              <a:ext uri="{FF2B5EF4-FFF2-40B4-BE49-F238E27FC236}">
+                <a16:creationId xmlns:a16="http://schemas.microsoft.com/office/drawing/2014/main" id="{EBFEF8E2-ABD5-449A-B320-802486E72868}"/>
+              </a:ext>
+            </a:extLst>
+          </p:cNvPr>
+          <p:cNvSpPr>
+            <a:spLocks noGrp="1"/>
+          </p:cNvSpPr>
+          <p:nvPr>
+            <p:ph type="title"/>
+          </p:nvPr>
+        </p:nvSpPr>
+        <p:spPr/>
+        <p:txBody>
+          <a:bodyPr/>
+          <a:lstStyle/>
+          <a:p>
+            <a:r>
+              <a:rPr lang="de-DE" dirty="0"/>
+              <a:t>Dynamic Discovery </a:t>
+            </a:r>
+            <a:r>
+              <a:rPr lang="de-DE" dirty="0" err="1"/>
+              <a:t>of</a:t>
+            </a:r>
+            <a:r>
+              <a:rPr lang="de-DE" dirty="0"/>
+              <a:t> </a:t>
+            </a:r>
+            <a:r>
+              <a:rPr lang="de-DE" dirty="0" err="1"/>
+              <a:t>hosts</a:t>
+            </a:r>
+            <a:endParaRPr lang="de-DE" dirty="0"/>
+          </a:p>
+        </p:txBody>
+      </p:sp>
+      <p:sp>
+        <p:nvSpPr>
+          <p:cNvPr id="3" name="Inhaltsplatzhalter 2">
+            <a:extLst>
+              <a:ext uri="{FF2B5EF4-FFF2-40B4-BE49-F238E27FC236}">
+                <a16:creationId xmlns:a16="http://schemas.microsoft.com/office/drawing/2014/main" id="{65CB9460-017E-43D5-9BB3-9C60960DCD9E}"/>
+              </a:ext>
+            </a:extLst>
+          </p:cNvPr>
+          <p:cNvSpPr>
+            <a:spLocks noGrp="1"/>
+          </p:cNvSpPr>
+          <p:nvPr>
+            <p:ph idx="1"/>
+          </p:nvPr>
+        </p:nvSpPr>
+        <p:spPr/>
+        <p:txBody>
+          <a:bodyPr/>
+          <a:lstStyle/>
+          <a:p>
+            <a:r>
+              <a:rPr lang="de-DE" dirty="0"/>
+              <a:t>UDP Broadcast/ UDP Multicast</a:t>
+            </a:r>
+          </a:p>
+          <a:p>
+            <a:r>
+              <a:rPr lang="de-DE" dirty="0"/>
+              <a:t>Ein neuer Host muss allen schon laufenden Host sagen, dass er gerne </a:t>
+            </a:r>
+            <a:r>
+              <a:rPr lang="de-DE" dirty="0" err="1"/>
+              <a:t>joinen</a:t>
+            </a:r>
+            <a:r>
+              <a:rPr lang="de-DE" dirty="0"/>
+              <a:t> würde </a:t>
+            </a:r>
+          </a:p>
+          <a:p>
+            <a:r>
+              <a:rPr lang="de-DE" dirty="0"/>
+              <a:t>(sende meine </a:t>
+            </a:r>
+            <a:r>
+              <a:rPr lang="de-DE" dirty="0" err="1"/>
+              <a:t>uuid</a:t>
+            </a:r>
+            <a:r>
+              <a:rPr lang="de-DE" dirty="0"/>
+              <a:t> und die (</a:t>
+            </a:r>
+            <a:r>
+              <a:rPr lang="de-DE" dirty="0" err="1"/>
+              <a:t>IpAdresse</a:t>
+            </a:r>
+            <a:r>
+              <a:rPr lang="de-DE" dirty="0"/>
+              <a:t>, Port) auf der ich erreichbar bin</a:t>
+            </a:r>
+          </a:p>
+          <a:p>
+            <a:r>
+              <a:rPr lang="de-DE" dirty="0"/>
+              <a:t>Schon laufende Hosts müssen dem der </a:t>
+            </a:r>
+            <a:r>
+              <a:rPr lang="de-DE" dirty="0" err="1"/>
+              <a:t>joint</a:t>
+            </a:r>
+            <a:r>
+              <a:rPr lang="de-DE" dirty="0"/>
+              <a:t> mitteilen, wer schon aktiv ist </a:t>
+            </a:r>
+          </a:p>
+          <a:p>
+            <a:r>
+              <a:rPr lang="de-DE" dirty="0"/>
+              <a:t>Entweder senden es ihm alle, oder nur der Leader sendet ihm die ganze Liste (</a:t>
+            </a:r>
+            <a:r>
+              <a:rPr lang="de-DE" dirty="0" err="1"/>
+              <a:t>uuid</a:t>
+            </a:r>
+            <a:r>
+              <a:rPr lang="de-DE" dirty="0"/>
+              <a:t>, </a:t>
+            </a:r>
+            <a:r>
+              <a:rPr lang="de-DE" dirty="0" err="1"/>
+              <a:t>IpAdresse</a:t>
+            </a:r>
+            <a:r>
+              <a:rPr lang="de-DE" dirty="0"/>
+              <a:t>, Port)</a:t>
+            </a:r>
+          </a:p>
+        </p:txBody>
+      </p:sp>
+    </p:spTree>
+    <p:extLst>
+      <p:ext uri="{BB962C8B-B14F-4D97-AF65-F5344CB8AC3E}">
+        <p14:creationId xmlns:p14="http://schemas.microsoft.com/office/powerpoint/2010/main" val="3019044097"/>
+      </p:ext>
+    </p:extLst>
+  </p:cSld>
+  <p:clrMapOvr>
+    <a:masterClrMapping/>
+  </p:clrMapOvr>
+</p:sld>
+</file>
+
+<file path=ppt/slides/slide28.xml><?xml version="1.0" encoding="utf-8"?>
+<p:sld xmlns:a="http://schemas.openxmlformats.org/drawingml/2006/main" xmlns:r="http://schemas.openxmlformats.org/officeDocument/2006/relationships" xmlns:p="http://schemas.openxmlformats.org/presentationml/2006/main">
+  <p:cSld>
+    <p:spTree>
+      <p:nvGrpSpPr>
+        <p:cNvPr id="1" name=""/>
+        <p:cNvGrpSpPr/>
+        <p:nvPr/>
+      </p:nvGrpSpPr>
+      <p:grpSpPr>
+        <a:xfrm>
+          <a:off x="0" y="0"/>
+          <a:ext cx="0" cy="0"/>
+          <a:chOff x="0" y="0"/>
+          <a:chExt cx="0" cy="0"/>
+        </a:xfrm>
+      </p:grpSpPr>
+      <p:sp>
+        <p:nvSpPr>
+          <p:cNvPr id="2" name="Titel 1">
+            <a:extLst>
+              <a:ext uri="{FF2B5EF4-FFF2-40B4-BE49-F238E27FC236}">
                 <a16:creationId xmlns:a16="http://schemas.microsoft.com/office/drawing/2014/main" id="{47A28736-AAED-4BAD-8649-DCCE6A08EBF0}"/>
               </a:ext>
             </a:extLst>
@@ -6790,7 +7708,7 @@
 </p:sld>
 </file>
 
-<file path=ppt/slides/slide23.xml><?xml version="1.0" encoding="utf-8"?>
+<file path=ppt/slides/slide29.xml><?xml version="1.0" encoding="utf-8"?>
 <p:sld xmlns:a="http://schemas.openxmlformats.org/drawingml/2006/main" xmlns:r="http://schemas.openxmlformats.org/officeDocument/2006/relationships" xmlns:p="http://schemas.openxmlformats.org/presentationml/2006/main">
   <p:cSld>
     <p:spTree>
@@ -6877,7 +7795,90 @@
 </p:sld>
 </file>
 
-<file path=ppt/slides/slide24.xml><?xml version="1.0" encoding="utf-8"?>
+<file path=ppt/slides/slide3.xml><?xml version="1.0" encoding="utf-8"?>
+<p:sld xmlns:a="http://schemas.openxmlformats.org/drawingml/2006/main" xmlns:r="http://schemas.openxmlformats.org/officeDocument/2006/relationships" xmlns:p="http://schemas.openxmlformats.org/presentationml/2006/main">
+  <p:cSld>
+    <p:spTree>
+      <p:nvGrpSpPr>
+        <p:cNvPr id="1" name=""/>
+        <p:cNvGrpSpPr/>
+        <p:nvPr/>
+      </p:nvGrpSpPr>
+      <p:grpSpPr>
+        <a:xfrm>
+          <a:off x="0" y="0"/>
+          <a:ext cx="0" cy="0"/>
+          <a:chOff x="0" y="0"/>
+          <a:chExt cx="0" cy="0"/>
+        </a:xfrm>
+      </p:grpSpPr>
+      <p:sp>
+        <p:nvSpPr>
+          <p:cNvPr id="2" name="Titel 1">
+            <a:extLst>
+              <a:ext uri="{FF2B5EF4-FFF2-40B4-BE49-F238E27FC236}">
+                <a16:creationId xmlns:a16="http://schemas.microsoft.com/office/drawing/2014/main" id="{2453D4A6-CFAB-41D8-8D99-4613E78E5873}"/>
+              </a:ext>
+            </a:extLst>
+          </p:cNvPr>
+          <p:cNvSpPr>
+            <a:spLocks noGrp="1"/>
+          </p:cNvSpPr>
+          <p:nvPr>
+            <p:ph type="title"/>
+          </p:nvPr>
+        </p:nvSpPr>
+        <p:spPr/>
+        <p:txBody>
+          <a:bodyPr/>
+          <a:lstStyle/>
+          <a:p>
+            <a:r>
+              <a:rPr lang="de-DE" dirty="0"/>
+              <a:t>Generelle Tipps</a:t>
+            </a:r>
+          </a:p>
+        </p:txBody>
+      </p:sp>
+      <p:sp>
+        <p:nvSpPr>
+          <p:cNvPr id="3" name="Textplatzhalter 2">
+            <a:extLst>
+              <a:ext uri="{FF2B5EF4-FFF2-40B4-BE49-F238E27FC236}">
+                <a16:creationId xmlns:a16="http://schemas.microsoft.com/office/drawing/2014/main" id="{35220C16-4DB2-4436-AF1F-163628D2787C}"/>
+              </a:ext>
+            </a:extLst>
+          </p:cNvPr>
+          <p:cNvSpPr>
+            <a:spLocks noGrp="1"/>
+          </p:cNvSpPr>
+          <p:nvPr>
+            <p:ph type="body" idx="1"/>
+          </p:nvPr>
+        </p:nvSpPr>
+        <p:spPr/>
+        <p:txBody>
+          <a:bodyPr/>
+          <a:lstStyle/>
+          <a:p>
+            <a:endParaRPr lang="de-DE"/>
+          </a:p>
+        </p:txBody>
+      </p:sp>
+    </p:spTree>
+    <p:extLst>
+      <p:ext uri="{BB962C8B-B14F-4D97-AF65-F5344CB8AC3E}">
+        <p14:creationId xmlns:p14="http://schemas.microsoft.com/office/powerpoint/2010/main" val="523804985"/>
+      </p:ext>
+    </p:extLst>
+  </p:cSld>
+  <p:clrMapOvr>
+    <a:masterClrMapping/>
+  </p:clrMapOvr>
+</p:sld>
+</file>
+
+<file path=ppt/slides/slide30.xml><?xml version="1.0" encoding="utf-8"?>
 <p:sld xmlns:a="http://schemas.openxmlformats.org/drawingml/2006/main" xmlns:r="http://schemas.openxmlformats.org/officeDocument/2006/relationships" xmlns:p="http://schemas.openxmlformats.org/presentationml/2006/main">
   <p:cSld>
     <p:spTree>
@@ -7110,7 +8111,7 @@
 </p:sld>
 </file>
 
-<file path=ppt/slides/slide25.xml><?xml version="1.0" encoding="utf-8"?>
+<file path=ppt/slides/slide31.xml><?xml version="1.0" encoding="utf-8"?>
 <p:sld xmlns:a="http://schemas.openxmlformats.org/drawingml/2006/main" xmlns:r="http://schemas.openxmlformats.org/officeDocument/2006/relationships" xmlns:p="http://schemas.openxmlformats.org/presentationml/2006/main">
   <p:cSld>
     <p:spTree>
@@ -7324,7 +8325,7 @@
 </p:sld>
 </file>
 
-<file path=ppt/slides/slide26.xml><?xml version="1.0" encoding="utf-8"?>
+<file path=ppt/slides/slide32.xml><?xml version="1.0" encoding="utf-8"?>
 <p:sld xmlns:a="http://schemas.openxmlformats.org/drawingml/2006/main" xmlns:r="http://schemas.openxmlformats.org/officeDocument/2006/relationships" xmlns:p="http://schemas.openxmlformats.org/presentationml/2006/main">
   <p:cSld>
     <p:spTree>
@@ -7407,7 +8408,7 @@
 </p:sld>
 </file>
 
-<file path=ppt/slides/slide27.xml><?xml version="1.0" encoding="utf-8"?>
+<file path=ppt/slides/slide33.xml><?xml version="1.0" encoding="utf-8"?>
 <p:sld xmlns:a="http://schemas.openxmlformats.org/drawingml/2006/main" xmlns:r="http://schemas.openxmlformats.org/officeDocument/2006/relationships" xmlns:p="http://schemas.openxmlformats.org/presentationml/2006/main">
   <p:cSld>
     <p:spTree>
@@ -7613,7 +8614,7 @@
 </p:sld>
 </file>
 
-<file path=ppt/slides/slide28.xml><?xml version="1.0" encoding="utf-8"?>
+<file path=ppt/slides/slide34.xml><?xml version="1.0" encoding="utf-8"?>
 <p:sld xmlns:a="http://schemas.openxmlformats.org/drawingml/2006/main" xmlns:r="http://schemas.openxmlformats.org/officeDocument/2006/relationships" xmlns:p="http://schemas.openxmlformats.org/presentationml/2006/main">
   <p:cSld>
     <p:spTree>
@@ -7687,89 +8688,6 @@
     <p:extLst>
       <p:ext uri="{BB962C8B-B14F-4D97-AF65-F5344CB8AC3E}">
         <p14:creationId xmlns:p14="http://schemas.microsoft.com/office/powerpoint/2010/main" val="2476628041"/>
-      </p:ext>
-    </p:extLst>
-  </p:cSld>
-  <p:clrMapOvr>
-    <a:masterClrMapping/>
-  </p:clrMapOvr>
-</p:sld>
-</file>
-
-<file path=ppt/slides/slide3.xml><?xml version="1.0" encoding="utf-8"?>
-<p:sld xmlns:a="http://schemas.openxmlformats.org/drawingml/2006/main" xmlns:r="http://schemas.openxmlformats.org/officeDocument/2006/relationships" xmlns:p="http://schemas.openxmlformats.org/presentationml/2006/main">
-  <p:cSld>
-    <p:spTree>
-      <p:nvGrpSpPr>
-        <p:cNvPr id="1" name=""/>
-        <p:cNvGrpSpPr/>
-        <p:nvPr/>
-      </p:nvGrpSpPr>
-      <p:grpSpPr>
-        <a:xfrm>
-          <a:off x="0" y="0"/>
-          <a:ext cx="0" cy="0"/>
-          <a:chOff x="0" y="0"/>
-          <a:chExt cx="0" cy="0"/>
-        </a:xfrm>
-      </p:grpSpPr>
-      <p:sp>
-        <p:nvSpPr>
-          <p:cNvPr id="2" name="Titel 1">
-            <a:extLst>
-              <a:ext uri="{FF2B5EF4-FFF2-40B4-BE49-F238E27FC236}">
-                <a16:creationId xmlns:a16="http://schemas.microsoft.com/office/drawing/2014/main" id="{2453D4A6-CFAB-41D8-8D99-4613E78E5873}"/>
-              </a:ext>
-            </a:extLst>
-          </p:cNvPr>
-          <p:cNvSpPr>
-            <a:spLocks noGrp="1"/>
-          </p:cNvSpPr>
-          <p:nvPr>
-            <p:ph type="title"/>
-          </p:nvPr>
-        </p:nvSpPr>
-        <p:spPr/>
-        <p:txBody>
-          <a:bodyPr/>
-          <a:lstStyle/>
-          <a:p>
-            <a:r>
-              <a:rPr lang="de-DE" dirty="0"/>
-              <a:t>Generelle Tipps</a:t>
-            </a:r>
-          </a:p>
-        </p:txBody>
-      </p:sp>
-      <p:sp>
-        <p:nvSpPr>
-          <p:cNvPr id="3" name="Textplatzhalter 2">
-            <a:extLst>
-              <a:ext uri="{FF2B5EF4-FFF2-40B4-BE49-F238E27FC236}">
-                <a16:creationId xmlns:a16="http://schemas.microsoft.com/office/drawing/2014/main" id="{35220C16-4DB2-4436-AF1F-163628D2787C}"/>
-              </a:ext>
-            </a:extLst>
-          </p:cNvPr>
-          <p:cNvSpPr>
-            <a:spLocks noGrp="1"/>
-          </p:cNvSpPr>
-          <p:nvPr>
-            <p:ph type="body" idx="1"/>
-          </p:nvPr>
-        </p:nvSpPr>
-        <p:spPr/>
-        <p:txBody>
-          <a:bodyPr/>
-          <a:lstStyle/>
-          <a:p>
-            <a:endParaRPr lang="de-DE"/>
-          </a:p>
-        </p:txBody>
-      </p:sp>
-    </p:spTree>
-    <p:extLst>
-      <p:ext uri="{BB962C8B-B14F-4D97-AF65-F5344CB8AC3E}">
-        <p14:creationId xmlns:p14="http://schemas.microsoft.com/office/powerpoint/2010/main" val="523804985"/>
       </p:ext>
     </p:extLst>
   </p:cSld>
@@ -7848,7 +8766,7 @@
         </p:spPr>
         <p:txBody>
           <a:bodyPr>
-            <a:normAutofit fontScale="92500" lnSpcReduction="10000"/>
+            <a:normAutofit fontScale="92500" lnSpcReduction="20000"/>
           </a:bodyPr>
           <a:lstStyle/>
           <a:p>
@@ -7916,6 +8834,20 @@
             <a:r>
               <a:rPr lang="de-DE" dirty="0"/>
               <a:t> euch gegenseitig</a:t>
+            </a:r>
+          </a:p>
+          <a:p>
+            <a:r>
+              <a:rPr lang="de-DE" dirty="0"/>
+              <a:t>Erstellt euch ein MS Teams Team um gemeinsam in </a:t>
+            </a:r>
+            <a:r>
+              <a:rPr lang="de-DE" dirty="0" err="1"/>
+              <a:t>dokumenten</a:t>
+            </a:r>
+            <a:r>
+              <a:rPr lang="de-DE" dirty="0"/>
+              <a:t> zu arbeiten</a:t>
             </a:r>
           </a:p>
         </p:txBody>
@@ -7955,180 +8887,6 @@
           <p:cNvPr id="2" name="Titel 1">
             <a:extLst>
               <a:ext uri="{FF2B5EF4-FFF2-40B4-BE49-F238E27FC236}">
-                <a16:creationId xmlns:a16="http://schemas.microsoft.com/office/drawing/2014/main" id="{B953CB89-A9B5-4219-8730-C9A0E1A336E2}"/>
-              </a:ext>
-            </a:extLst>
-          </p:cNvPr>
-          <p:cNvSpPr>
-            <a:spLocks noGrp="1"/>
-          </p:cNvSpPr>
-          <p:nvPr>
-            <p:ph type="title"/>
-          </p:nvPr>
-        </p:nvSpPr>
-        <p:spPr/>
-        <p:txBody>
-          <a:bodyPr/>
-          <a:lstStyle/>
-          <a:p>
-            <a:r>
-              <a:rPr lang="de-DE" dirty="0"/>
-              <a:t>Projektauswahl</a:t>
-            </a:r>
-          </a:p>
-        </p:txBody>
-      </p:sp>
-      <p:sp>
-        <p:nvSpPr>
-          <p:cNvPr id="3" name="Inhaltsplatzhalter 2">
-            <a:extLst>
-              <a:ext uri="{FF2B5EF4-FFF2-40B4-BE49-F238E27FC236}">
-                <a16:creationId xmlns:a16="http://schemas.microsoft.com/office/drawing/2014/main" id="{BE6411F8-5CDF-44A5-97D2-82CF7B4DF5A6}"/>
-              </a:ext>
-            </a:extLst>
-          </p:cNvPr>
-          <p:cNvSpPr>
-            <a:spLocks noGrp="1"/>
-          </p:cNvSpPr>
-          <p:nvPr>
-            <p:ph idx="1"/>
-          </p:nvPr>
-        </p:nvSpPr>
-        <p:spPr/>
-        <p:txBody>
-          <a:bodyPr>
-            <a:normAutofit lnSpcReduction="10000"/>
-          </a:bodyPr>
-          <a:lstStyle/>
-          <a:p>
-            <a:r>
-              <a:rPr lang="de-DE" dirty="0"/>
-              <a:t>Macht es euch einfach!!!!!!!!!!!!!!!!!!!!</a:t>
-            </a:r>
-          </a:p>
-          <a:p>
-            <a:r>
-              <a:rPr lang="de-DE" dirty="0"/>
-              <a:t>Alles was ihr Programmiert, was außerhalb der Middleware passiert ist unnötige Arbeit</a:t>
-            </a:r>
-          </a:p>
-          <a:p>
-            <a:pPr lvl="1"/>
-            <a:r>
-              <a:rPr lang="de-DE" dirty="0"/>
-              <a:t>Außer ihr habt Lust drauf</a:t>
-            </a:r>
-          </a:p>
-          <a:p>
-            <a:r>
-              <a:rPr lang="de-DE" dirty="0"/>
-              <a:t>Ihr könnt jede Programmiersprache verwenden aber bleibt bei Python</a:t>
-            </a:r>
-          </a:p>
-          <a:p>
-            <a:pPr lvl="1"/>
-            <a:r>
-              <a:rPr lang="de-DE" dirty="0"/>
-              <a:t>Müssen alle sowieso lernen( für AI)</a:t>
-            </a:r>
-          </a:p>
-          <a:p>
-            <a:pPr lvl="1"/>
-            <a:r>
-              <a:rPr lang="de-DE" dirty="0"/>
-              <a:t>Ist einfach zu lernen</a:t>
-            </a:r>
-          </a:p>
-          <a:p>
-            <a:pPr lvl="1"/>
-            <a:r>
-              <a:rPr lang="de-DE" dirty="0">
-                <a:hlinkClick r:id="rId2"/>
-              </a:rPr>
-              <a:t>https://www.youtube.com/watch?v=f79MRyMsjrQ</a:t>
-            </a:r>
-            <a:endParaRPr lang="de-DE" dirty="0"/>
-          </a:p>
-          <a:p>
-            <a:pPr lvl="1"/>
-            <a:r>
-              <a:rPr lang="de-DE" dirty="0"/>
-              <a:t>Falls du es noch nicht kannst schau dir 1h bis 3h Tutorial an </a:t>
-            </a:r>
-          </a:p>
-          <a:p>
-            <a:pPr lvl="1"/>
-            <a:r>
-              <a:rPr lang="de-DE" dirty="0">
-                <a:hlinkClick r:id="rId3"/>
-              </a:rPr>
-              <a:t>https://www.kaggle.com/learn/python</a:t>
-            </a:r>
-            <a:r>
-              <a:rPr lang="de-DE" dirty="0"/>
-              <a:t>  (cooles interaktives </a:t>
-            </a:r>
-            <a:r>
-              <a:rPr lang="de-DE" dirty="0" err="1"/>
-              <a:t>tutorial</a:t>
-            </a:r>
-            <a:r>
-              <a:rPr lang="de-DE" dirty="0"/>
-              <a:t>)</a:t>
-            </a:r>
-          </a:p>
-          <a:p>
-            <a:pPr lvl="1"/>
-            <a:r>
-              <a:rPr lang="de-DE" dirty="0"/>
-              <a:t>Du musst es </a:t>
-            </a:r>
-            <a:r>
-              <a:rPr lang="de-DE" dirty="0" err="1"/>
-              <a:t>ehh</a:t>
-            </a:r>
-            <a:r>
-              <a:rPr lang="de-DE" dirty="0"/>
-              <a:t> lernen</a:t>
-            </a:r>
-          </a:p>
-        </p:txBody>
-      </p:sp>
-    </p:spTree>
-    <p:extLst>
-      <p:ext uri="{BB962C8B-B14F-4D97-AF65-F5344CB8AC3E}">
-        <p14:creationId xmlns:p14="http://schemas.microsoft.com/office/powerpoint/2010/main" val="1545662188"/>
-      </p:ext>
-    </p:extLst>
-  </p:cSld>
-  <p:clrMapOvr>
-    <a:masterClrMapping/>
-  </p:clrMapOvr>
-</p:sld>
-</file>
-
-<file path=ppt/slides/slide6.xml><?xml version="1.0" encoding="utf-8"?>
-<p:sld xmlns:a="http://schemas.openxmlformats.org/drawingml/2006/main" xmlns:r="http://schemas.openxmlformats.org/officeDocument/2006/relationships" xmlns:p="http://schemas.openxmlformats.org/presentationml/2006/main">
-  <p:cSld>
-    <p:spTree>
-      <p:nvGrpSpPr>
-        <p:cNvPr id="1" name=""/>
-        <p:cNvGrpSpPr/>
-        <p:nvPr/>
-      </p:nvGrpSpPr>
-      <p:grpSpPr>
-        <a:xfrm>
-          <a:off x="0" y="0"/>
-          <a:ext cx="0" cy="0"/>
-          <a:chOff x="0" y="0"/>
-          <a:chExt cx="0" cy="0"/>
-        </a:xfrm>
-      </p:grpSpPr>
-      <p:sp>
-        <p:nvSpPr>
-          <p:cNvPr id="2" name="Titel 1">
-            <a:extLst>
-              <a:ext uri="{FF2B5EF4-FFF2-40B4-BE49-F238E27FC236}">
                 <a16:creationId xmlns:a16="http://schemas.microsoft.com/office/drawing/2014/main" id="{01B766A1-0692-4B50-856D-0A7903719CCD}"/>
               </a:ext>
             </a:extLst>
@@ -8209,11 +8967,11 @@
             </a:r>
             <a:r>
               <a:rPr lang="de-DE" dirty="0"/>
-              <a:t> Kraken 😍👍    oder Source </a:t>
-            </a:r>
-            <a:r>
-              <a:rPr lang="de-DE" dirty="0" err="1"/>
-              <a:t>Tree</a:t>
+              <a:t> Kraken 😍👍    oder </a:t>
+            </a:r>
+            <a:r>
+              <a:rPr lang="de-DE" dirty="0" err="1"/>
+              <a:t>SourceTree</a:t>
             </a:r>
             <a:r>
               <a:rPr lang="de-DE" dirty="0"/>
@@ -8318,6 +9076,125 @@
 </p:sld>
 </file>
 
+<file path=ppt/slides/slide6.xml><?xml version="1.0" encoding="utf-8"?>
+<p:sld xmlns:a="http://schemas.openxmlformats.org/drawingml/2006/main" xmlns:r="http://schemas.openxmlformats.org/officeDocument/2006/relationships" xmlns:p="http://schemas.openxmlformats.org/presentationml/2006/main">
+  <p:cSld>
+    <p:spTree>
+      <p:nvGrpSpPr>
+        <p:cNvPr id="1" name=""/>
+        <p:cNvGrpSpPr/>
+        <p:nvPr/>
+      </p:nvGrpSpPr>
+      <p:grpSpPr>
+        <a:xfrm>
+          <a:off x="0" y="0"/>
+          <a:ext cx="0" cy="0"/>
+          <a:chOff x="0" y="0"/>
+          <a:chExt cx="0" cy="0"/>
+        </a:xfrm>
+      </p:grpSpPr>
+      <p:sp>
+        <p:nvSpPr>
+          <p:cNvPr id="2" name="Titel 1">
+            <a:extLst>
+              <a:ext uri="{FF2B5EF4-FFF2-40B4-BE49-F238E27FC236}">
+                <a16:creationId xmlns:a16="http://schemas.microsoft.com/office/drawing/2014/main" id="{522FF75B-DAA6-487A-990C-C770686957CB}"/>
+              </a:ext>
+            </a:extLst>
+          </p:cNvPr>
+          <p:cNvSpPr>
+            <a:spLocks noGrp="1"/>
+          </p:cNvSpPr>
+          <p:nvPr>
+            <p:ph type="title"/>
+          </p:nvPr>
+        </p:nvSpPr>
+        <p:spPr/>
+        <p:txBody>
+          <a:bodyPr/>
+          <a:lstStyle/>
+          <a:p>
+            <a:r>
+              <a:rPr lang="de-DE" dirty="0"/>
+              <a:t>Benutzt VS Code</a:t>
+            </a:r>
+          </a:p>
+        </p:txBody>
+      </p:sp>
+      <p:sp>
+        <p:nvSpPr>
+          <p:cNvPr id="3" name="Inhaltsplatzhalter 2">
+            <a:extLst>
+              <a:ext uri="{FF2B5EF4-FFF2-40B4-BE49-F238E27FC236}">
+                <a16:creationId xmlns:a16="http://schemas.microsoft.com/office/drawing/2014/main" id="{C06E859E-59F6-4E41-A5BA-D3C8936548AC}"/>
+              </a:ext>
+            </a:extLst>
+          </p:cNvPr>
+          <p:cNvSpPr>
+            <a:spLocks noGrp="1"/>
+          </p:cNvSpPr>
+          <p:nvPr>
+            <p:ph idx="1"/>
+          </p:nvPr>
+        </p:nvSpPr>
+        <p:spPr/>
+        <p:txBody>
+          <a:bodyPr/>
+          <a:lstStyle/>
+          <a:p>
+            <a:r>
+              <a:rPr lang="de-DE" dirty="0">
+                <a:hlinkClick r:id="rId3"/>
+              </a:rPr>
+              <a:t>https://code.visualstudio.com/</a:t>
+            </a:r>
+            <a:endParaRPr lang="de-DE" dirty="0"/>
+          </a:p>
+          <a:p>
+            <a:r>
+              <a:rPr lang="de-DE" dirty="0"/>
+              <a:t>Bei weitem der populärste Editor</a:t>
+            </a:r>
+          </a:p>
+          <a:p>
+            <a:r>
+              <a:rPr lang="de-DE" dirty="0"/>
+              <a:t>Ist in den meisten unternehmen der Standard</a:t>
+            </a:r>
+          </a:p>
+          <a:p>
+            <a:r>
+              <a:rPr lang="de-DE" dirty="0"/>
+              <a:t>Gratis</a:t>
+            </a:r>
+          </a:p>
+          <a:p>
+            <a:r>
+              <a:rPr lang="de-DE" dirty="0"/>
+              <a:t>Ihr müsst nie wieder einen anderen Editor lernen</a:t>
+            </a:r>
+          </a:p>
+          <a:p>
+            <a:r>
+              <a:rPr lang="de-DE" dirty="0"/>
+              <a:t>VS Code kann alles</a:t>
+            </a:r>
+          </a:p>
+        </p:txBody>
+      </p:sp>
+    </p:spTree>
+    <p:extLst>
+      <p:ext uri="{BB962C8B-B14F-4D97-AF65-F5344CB8AC3E}">
+        <p14:creationId xmlns:p14="http://schemas.microsoft.com/office/powerpoint/2010/main" val="3328232311"/>
+      </p:ext>
+    </p:extLst>
+  </p:cSld>
+  <p:clrMapOvr>
+    <a:masterClrMapping/>
+  </p:clrMapOvr>
+</p:sld>
+</file>
+
 <file path=ppt/slides/slide7.xml><?xml version="1.0" encoding="utf-8"?>
 <p:sld xmlns:a="http://schemas.openxmlformats.org/drawingml/2006/main" xmlns:r="http://schemas.openxmlformats.org/officeDocument/2006/relationships" xmlns:p="http://schemas.openxmlformats.org/presentationml/2006/main">
   <p:cSld>
@@ -8340,7 +9217,7 @@
           <p:cNvPr id="2" name="Titel 1">
             <a:extLst>
               <a:ext uri="{FF2B5EF4-FFF2-40B4-BE49-F238E27FC236}">
-                <a16:creationId xmlns:a16="http://schemas.microsoft.com/office/drawing/2014/main" id="{522FF75B-DAA6-487A-990C-C770686957CB}"/>
+                <a16:creationId xmlns:a16="http://schemas.microsoft.com/office/drawing/2014/main" id="{B953CB89-A9B5-4219-8730-C9A0E1A336E2}"/>
               </a:ext>
             </a:extLst>
           </p:cNvPr>
@@ -8358,7 +9235,7 @@
           <a:p>
             <a:r>
               <a:rPr lang="de-DE" dirty="0"/>
-              <a:t>Benutzt VS Code</a:t>
+              <a:t>Projektauswahl</a:t>
             </a:r>
           </a:p>
         </p:txBody>
@@ -8368,7 +9245,7 @@
           <p:cNvPr id="3" name="Inhaltsplatzhalter 2">
             <a:extLst>
               <a:ext uri="{FF2B5EF4-FFF2-40B4-BE49-F238E27FC236}">
-                <a16:creationId xmlns:a16="http://schemas.microsoft.com/office/drawing/2014/main" id="{C06E859E-59F6-4E41-A5BA-D3C8936548AC}"/>
+                <a16:creationId xmlns:a16="http://schemas.microsoft.com/office/drawing/2014/main" id="{BE6411F8-5CDF-44A5-97D2-82CF7B4DF5A6}"/>
               </a:ext>
             </a:extLst>
           </p:cNvPr>
@@ -8379,47 +9256,124 @@
             <p:ph idx="1"/>
           </p:nvPr>
         </p:nvSpPr>
-        <p:spPr/>
-        <p:txBody>
-          <a:bodyPr/>
-          <a:lstStyle/>
-          <a:p>
+        <p:spPr>
+          <a:xfrm>
+            <a:off x="838200" y="1825624"/>
+            <a:ext cx="10515600" cy="4841505"/>
+          </a:xfrm>
+        </p:spPr>
+        <p:txBody>
+          <a:bodyPr>
+            <a:normAutofit fontScale="92500" lnSpcReduction="20000"/>
+          </a:bodyPr>
+          <a:lstStyle/>
+          <a:p>
+            <a:r>
+              <a:rPr lang="de-DE" dirty="0"/>
+              <a:t>Macht es euch einfach!!!!!!!!!!!!!!!!!!!!</a:t>
+            </a:r>
+          </a:p>
+          <a:p>
+            <a:r>
+              <a:rPr lang="de-DE" dirty="0"/>
+              <a:t>Alles was ihr Programmiert, was außerhalb der Middleware passiert ist unnötige Arbeit</a:t>
+            </a:r>
+          </a:p>
+          <a:p>
+            <a:pPr lvl="1"/>
+            <a:r>
+              <a:rPr lang="de-DE" dirty="0"/>
+              <a:t>Außer ihr habt Lust drauf</a:t>
+            </a:r>
+          </a:p>
+          <a:p>
+            <a:r>
+              <a:rPr lang="de-DE" dirty="0"/>
+              <a:t>Ihr könnt jede Programmiersprache verwenden aber bleibt bei Python</a:t>
+            </a:r>
+          </a:p>
+          <a:p>
+            <a:pPr lvl="1"/>
+            <a:r>
+              <a:rPr lang="de-DE" dirty="0"/>
+              <a:t>Müssen alle sowieso lernen( für AI)</a:t>
+            </a:r>
+          </a:p>
+          <a:p>
+            <a:pPr lvl="1"/>
+            <a:r>
+              <a:rPr lang="de-DE" dirty="0"/>
+              <a:t>Ist einfach zu lernen</a:t>
+            </a:r>
+          </a:p>
+          <a:p>
+            <a:pPr lvl="1"/>
+            <a:r>
+              <a:rPr lang="de-DE" dirty="0">
+                <a:hlinkClick r:id="rId2"/>
+              </a:rPr>
+              <a:t>https://www.youtube.com/watch?v=f79MRyMsjrQ</a:t>
+            </a:r>
+            <a:endParaRPr lang="de-DE" dirty="0"/>
+          </a:p>
+          <a:p>
+            <a:pPr lvl="1"/>
+            <a:r>
+              <a:rPr lang="de-DE" dirty="0"/>
+              <a:t>Falls du es noch nicht kannst schau dir 1h bis 3h Tutorial an und übe!</a:t>
+            </a:r>
+          </a:p>
+          <a:p>
+            <a:pPr lvl="1"/>
             <a:r>
               <a:rPr lang="de-DE" dirty="0">
                 <a:hlinkClick r:id="rId3"/>
               </a:rPr>
-              <a:t>https://code.visualstudio.com/</a:t>
-            </a:r>
-            <a:endParaRPr lang="de-DE" dirty="0"/>
-          </a:p>
-          <a:p>
-            <a:r>
-              <a:rPr lang="de-DE" dirty="0"/>
-              <a:t>Bei weitem der populärste Editor</a:t>
-            </a:r>
-          </a:p>
-          <a:p>
-            <a:r>
-              <a:rPr lang="de-DE" dirty="0"/>
-              <a:t>Ist in den meisten unternehmen der Standard</a:t>
-            </a:r>
-          </a:p>
-          <a:p>
-            <a:r>
-              <a:rPr lang="de-DE" dirty="0"/>
-              <a:t>Gratis</a:t>
-            </a:r>
-          </a:p>
-          <a:p>
-            <a:r>
-              <a:rPr lang="de-DE" dirty="0"/>
-              <a:t>Ihr müsst nie wieder einen anderen Editor lernen</a:t>
-            </a:r>
-          </a:p>
-          <a:p>
-            <a:r>
-              <a:rPr lang="de-DE" dirty="0"/>
-              <a:t>VS Code kann alles</a:t>
+              <a:t>https://www.kaggle.com/learn/python</a:t>
+            </a:r>
+            <a:r>
+              <a:rPr lang="de-DE" dirty="0"/>
+              <a:t>  (cooles interaktives </a:t>
+            </a:r>
+            <a:r>
+              <a:rPr lang="de-DE" dirty="0" err="1"/>
+              <a:t>tutorial</a:t>
+            </a:r>
+            <a:r>
+              <a:rPr lang="de-DE" dirty="0"/>
+              <a:t>)</a:t>
+            </a:r>
+          </a:p>
+          <a:p>
+            <a:pPr lvl="1"/>
+            <a:r>
+              <a:rPr lang="de-DE" dirty="0"/>
+              <a:t>Übe ein bisschen auf Hackerrank </a:t>
+            </a:r>
+            <a:r>
+              <a:rPr lang="de-DE" dirty="0">
+                <a:hlinkClick r:id="rId4"/>
+              </a:rPr>
+              <a:t>https://www.hackerrank.com/domains/python?filters%5Bstatus%5D%5B%5D=unsolved&amp;filters%5Bstatus%5D%5B%5D=solved&amp;filters%5Bdifficulty%5D%5B%5D=easy&amp;badge_type=python</a:t>
+            </a:r>
+            <a:r>
+              <a:rPr lang="de-DE" dirty="0"/>
+              <a:t> </a:t>
+            </a:r>
+          </a:p>
+          <a:p>
+            <a:pPr lvl="1"/>
+            <a:r>
+              <a:rPr lang="de-DE" dirty="0"/>
+              <a:t>Du musst es </a:t>
+            </a:r>
+            <a:r>
+              <a:rPr lang="de-DE" dirty="0" err="1"/>
+              <a:t>ehh</a:t>
+            </a:r>
+            <a:r>
+              <a:rPr lang="de-DE" dirty="0"/>
+              <a:t> lernen</a:t>
             </a:r>
           </a:p>
         </p:txBody>
@@ -8427,7 +9381,7 @@
     </p:spTree>
     <p:extLst>
       <p:ext uri="{BB962C8B-B14F-4D97-AF65-F5344CB8AC3E}">
-        <p14:creationId xmlns:p14="http://schemas.microsoft.com/office/powerpoint/2010/main" val="3328232311"/>
+        <p14:creationId xmlns:p14="http://schemas.microsoft.com/office/powerpoint/2010/main" val="1545662188"/>
       </p:ext>
     </p:extLst>
   </p:cSld>
@@ -8459,7 +9413,7 @@
           <p:cNvPr id="2" name="Titel 1">
             <a:extLst>
               <a:ext uri="{FF2B5EF4-FFF2-40B4-BE49-F238E27FC236}">
-                <a16:creationId xmlns:a16="http://schemas.microsoft.com/office/drawing/2014/main" id="{68EEF4B2-0EF7-4E06-9716-BFFB811F0EF5}"/>
+                <a16:creationId xmlns:a16="http://schemas.microsoft.com/office/drawing/2014/main" id="{C8D1DBAB-34D6-44EA-A986-7F7F8C878A01}"/>
               </a:ext>
             </a:extLst>
           </p:cNvPr>
@@ -8470,105 +9424,33 @@
             <p:ph type="title"/>
           </p:nvPr>
         </p:nvSpPr>
-        <p:spPr>
-          <a:xfrm>
-            <a:off x="5979780" y="189285"/>
-            <a:ext cx="5374019" cy="1325563"/>
-          </a:xfrm>
-        </p:spPr>
-        <p:txBody>
-          <a:bodyPr/>
-          <a:lstStyle/>
-          <a:p>
-            <a:r>
-              <a:rPr lang="de-DE" dirty="0"/>
-              <a:t>Netzwerk Grundlagen</a:t>
-            </a:r>
-          </a:p>
-        </p:txBody>
-      </p:sp>
-      <p:sp>
-        <p:nvSpPr>
-          <p:cNvPr id="3" name="Inhaltsplatzhalter 2">
-            <a:extLst>
-              <a:ext uri="{FF2B5EF4-FFF2-40B4-BE49-F238E27FC236}">
-                <a16:creationId xmlns:a16="http://schemas.microsoft.com/office/drawing/2014/main" id="{3DAF3216-37FB-427E-9EB1-75D46C08A2D3}"/>
-              </a:ext>
-            </a:extLst>
-          </p:cNvPr>
-          <p:cNvSpPr>
-            <a:spLocks noGrp="1"/>
-          </p:cNvSpPr>
-          <p:nvPr>
-            <p:ph idx="1"/>
-          </p:nvPr>
-        </p:nvSpPr>
-        <p:spPr>
-          <a:xfrm>
-            <a:off x="5499557" y="1664340"/>
-            <a:ext cx="5854243" cy="4512623"/>
-          </a:xfrm>
-        </p:spPr>
-        <p:txBody>
-          <a:bodyPr/>
-          <a:lstStyle/>
-          <a:p>
-            <a:r>
-              <a:rPr lang="de-DE" dirty="0"/>
-              <a:t>Versuch als erstes UDP </a:t>
-            </a:r>
-            <a:r>
-              <a:rPr lang="de-DE" dirty="0" err="1"/>
-              <a:t>Unicast</a:t>
-            </a:r>
-            <a:r>
-              <a:rPr lang="de-DE" dirty="0"/>
-              <a:t> und Broadcast auf deinem PC hinzubekommen</a:t>
-            </a:r>
-          </a:p>
-          <a:p>
-            <a:r>
-              <a:rPr lang="de-DE" dirty="0"/>
-              <a:t>Möglicherweise musst du irgendwie ein paar </a:t>
-            </a:r>
-            <a:r>
-              <a:rPr lang="de-DE" dirty="0" err="1"/>
-              <a:t>netzwerk</a:t>
-            </a:r>
-            <a:r>
-              <a:rPr lang="de-DE" dirty="0"/>
-              <a:t> </a:t>
-            </a:r>
-            <a:r>
-              <a:rPr lang="de-DE" dirty="0" err="1"/>
-              <a:t>adapter</a:t>
-            </a:r>
-            <a:r>
-              <a:rPr lang="de-DE" dirty="0"/>
-              <a:t> deaktivieren</a:t>
-            </a:r>
-          </a:p>
-          <a:p>
-            <a:r>
-              <a:rPr lang="de-DE" dirty="0"/>
-              <a:t>Bei mir hat es einfach funktioniert.</a:t>
+        <p:spPr/>
+        <p:txBody>
+          <a:bodyPr/>
+          <a:lstStyle/>
+          <a:p>
+            <a:r>
+              <a:rPr lang="de-DE" dirty="0"/>
+              <a:t>Projektauswahl</a:t>
             </a:r>
           </a:p>
         </p:txBody>
       </p:sp>
       <p:pic>
         <p:nvPicPr>
-          <p:cNvPr id="7" name="Grafik 6">
-            <a:extLst>
-              <a:ext uri="{FF2B5EF4-FFF2-40B4-BE49-F238E27FC236}">
-                <a16:creationId xmlns:a16="http://schemas.microsoft.com/office/drawing/2014/main" id="{95C5068A-094D-43DF-8127-D4307C9DC58D}"/>
+          <p:cNvPr id="5" name="Inhaltsplatzhalter 4">
+            <a:extLst>
+              <a:ext uri="{FF2B5EF4-FFF2-40B4-BE49-F238E27FC236}">
+                <a16:creationId xmlns:a16="http://schemas.microsoft.com/office/drawing/2014/main" id="{A4AD6C92-A171-45F6-B679-45FB41F586D9}"/>
               </a:ext>
             </a:extLst>
           </p:cNvPr>
           <p:cNvPicPr>
-            <a:picLocks noChangeAspect="1"/>
+            <a:picLocks noGrp="1" noChangeAspect="1"/>
           </p:cNvPicPr>
-          <p:nvPr/>
+          <p:nvPr>
+            <p:ph idx="1"/>
+          </p:nvPr>
         </p:nvPicPr>
         <p:blipFill>
           <a:blip r:embed="rId2"/>
@@ -8578,18 +9460,15 @@
         </p:blipFill>
         <p:spPr>
           <a:xfrm>
-            <a:off x="0" y="0"/>
-            <a:ext cx="5226376" cy="6858000"/>
+            <a:off x="838200" y="2133747"/>
+            <a:ext cx="9229725" cy="3752850"/>
           </a:xfrm>
-          <a:prstGeom prst="rect">
-            <a:avLst/>
-          </a:prstGeom>
         </p:spPr>
       </p:pic>
     </p:spTree>
     <p:extLst>
       <p:ext uri="{BB962C8B-B14F-4D97-AF65-F5344CB8AC3E}">
-        <p14:creationId xmlns:p14="http://schemas.microsoft.com/office/powerpoint/2010/main" val="321118990"/>
+        <p14:creationId xmlns:p14="http://schemas.microsoft.com/office/powerpoint/2010/main" val="2655189666"/>
       </p:ext>
     </p:extLst>
   </p:cSld>
@@ -8616,144 +9495,12 @@
           <a:chExt cx="0" cy="0"/>
         </a:xfrm>
       </p:grpSpPr>
-      <p:sp>
-        <p:nvSpPr>
-          <p:cNvPr id="2" name="Titel 1">
-            <a:extLst>
-              <a:ext uri="{FF2B5EF4-FFF2-40B4-BE49-F238E27FC236}">
-                <a16:creationId xmlns:a16="http://schemas.microsoft.com/office/drawing/2014/main" id="{37BBD172-4E6B-470B-867D-80DBB9458E93}"/>
-              </a:ext>
-            </a:extLst>
-          </p:cNvPr>
-          <p:cNvSpPr>
-            <a:spLocks noGrp="1"/>
-          </p:cNvSpPr>
-          <p:nvPr>
-            <p:ph type="title"/>
-          </p:nvPr>
-        </p:nvSpPr>
-        <p:spPr/>
-        <p:txBody>
-          <a:bodyPr/>
-          <a:lstStyle/>
-          <a:p>
-            <a:r>
-              <a:rPr lang="de-DE" dirty="0"/>
-              <a:t>Nachrichten über TCP und UDP senden</a:t>
-            </a:r>
-          </a:p>
-        </p:txBody>
-      </p:sp>
-      <p:sp>
-        <p:nvSpPr>
-          <p:cNvPr id="3" name="Inhaltsplatzhalter 2">
-            <a:extLst>
-              <a:ext uri="{FF2B5EF4-FFF2-40B4-BE49-F238E27FC236}">
-                <a16:creationId xmlns:a16="http://schemas.microsoft.com/office/drawing/2014/main" id="{7552F277-87CB-490C-80F5-355E6976063C}"/>
-              </a:ext>
-            </a:extLst>
-          </p:cNvPr>
-          <p:cNvSpPr>
-            <a:spLocks noGrp="1"/>
-          </p:cNvSpPr>
-          <p:nvPr>
-            <p:ph idx="1"/>
-          </p:nvPr>
-        </p:nvSpPr>
-        <p:spPr/>
-        <p:txBody>
-          <a:bodyPr/>
-          <a:lstStyle/>
-          <a:p>
-            <a:r>
-              <a:rPr lang="de-DE" dirty="0"/>
-              <a:t>Du kannst über das </a:t>
-            </a:r>
-            <a:r>
-              <a:rPr lang="de-DE" dirty="0" err="1"/>
-              <a:t>netztwerk</a:t>
-            </a:r>
-            <a:r>
-              <a:rPr lang="de-DE" dirty="0"/>
-              <a:t> keine </a:t>
-            </a:r>
-            <a:r>
-              <a:rPr lang="de-DE" dirty="0" err="1"/>
-              <a:t>Integers</a:t>
-            </a:r>
-            <a:r>
-              <a:rPr lang="de-DE" dirty="0"/>
-              <a:t> oder </a:t>
-            </a:r>
-            <a:r>
-              <a:rPr lang="de-DE" dirty="0" err="1"/>
-              <a:t>floats</a:t>
-            </a:r>
-            <a:r>
-              <a:rPr lang="de-DE" dirty="0"/>
-              <a:t> oder Arrays oder </a:t>
-            </a:r>
-            <a:r>
-              <a:rPr lang="de-DE" dirty="0" err="1"/>
-              <a:t>strings</a:t>
-            </a:r>
-            <a:r>
-              <a:rPr lang="de-DE" dirty="0"/>
-              <a:t> schicken (</a:t>
-            </a:r>
-            <a:r>
-              <a:rPr lang="de-DE" dirty="0" err="1"/>
-              <a:t>zummindest</a:t>
-            </a:r>
-            <a:r>
-              <a:rPr lang="de-DE" dirty="0"/>
-              <a:t> nicht direkt)</a:t>
-            </a:r>
-          </a:p>
-          <a:p>
-            <a:r>
-              <a:rPr lang="de-DE" dirty="0"/>
-              <a:t>Du kannst nur Bytes schicken</a:t>
-            </a:r>
-          </a:p>
-          <a:p>
-            <a:r>
-              <a:rPr lang="de-DE" dirty="0"/>
-              <a:t>Bzw. Bytestrings     b‘‘   in Python</a:t>
-            </a:r>
-          </a:p>
-          <a:p>
-            <a:r>
-              <a:rPr lang="de-DE" dirty="0"/>
-              <a:t>Jeweils 8 </a:t>
-            </a:r>
-            <a:r>
-              <a:rPr lang="de-DE" dirty="0" err="1"/>
-              <a:t>bit</a:t>
-            </a:r>
-            <a:r>
-              <a:rPr lang="de-DE" dirty="0"/>
-              <a:t> zusammengefasst </a:t>
-            </a:r>
-            <a:br>
-              <a:rPr lang="de-DE" dirty="0"/>
-            </a:br>
-            <a:r>
-              <a:rPr lang="de-DE" dirty="0"/>
-              <a:t>als ein ASCII (oder so ähnlich??)</a:t>
-            </a:r>
-          </a:p>
-          <a:p>
-            <a:endParaRPr lang="de-DE" dirty="0"/>
-          </a:p>
-        </p:txBody>
-      </p:sp>
       <p:pic>
         <p:nvPicPr>
-          <p:cNvPr id="9" name="Grafik 8">
-            <a:extLst>
-              <a:ext uri="{FF2B5EF4-FFF2-40B4-BE49-F238E27FC236}">
-                <a16:creationId xmlns:a16="http://schemas.microsoft.com/office/drawing/2014/main" id="{FAFCAD77-32F8-468D-8AE2-3F1B5B7340B6}"/>
+          <p:cNvPr id="5" name="Grafik 4">
+            <a:extLst>
+              <a:ext uri="{FF2B5EF4-FFF2-40B4-BE49-F238E27FC236}">
+                <a16:creationId xmlns:a16="http://schemas.microsoft.com/office/drawing/2014/main" id="{4F8A9DAB-E36E-4E75-9BE7-EB068E517007}"/>
               </a:ext>
             </a:extLst>
           </p:cNvPr>
@@ -8770,8 +9517,38 @@
         </p:blipFill>
         <p:spPr>
           <a:xfrm>
-            <a:off x="7035927" y="2715403"/>
-            <a:ext cx="4456568" cy="3919536"/>
+            <a:off x="620974" y="0"/>
+            <a:ext cx="4879571" cy="6858000"/>
+          </a:xfrm>
+          <a:prstGeom prst="rect">
+            <a:avLst/>
+          </a:prstGeom>
+        </p:spPr>
+      </p:pic>
+      <p:pic>
+        <p:nvPicPr>
+          <p:cNvPr id="7" name="Grafik 6">
+            <a:extLst>
+              <a:ext uri="{FF2B5EF4-FFF2-40B4-BE49-F238E27FC236}">
+                <a16:creationId xmlns:a16="http://schemas.microsoft.com/office/drawing/2014/main" id="{828637CE-62A9-44F2-8FB7-C066ECABB655}"/>
+              </a:ext>
+            </a:extLst>
+          </p:cNvPr>
+          <p:cNvPicPr>
+            <a:picLocks noChangeAspect="1"/>
+          </p:cNvPicPr>
+          <p:nvPr/>
+        </p:nvPicPr>
+        <p:blipFill>
+          <a:blip r:embed="rId3"/>
+          <a:stretch>
+            <a:fillRect/>
+          </a:stretch>
+        </p:blipFill>
+        <p:spPr>
+          <a:xfrm>
+            <a:off x="6691456" y="0"/>
+            <a:ext cx="4892648" cy="6858000"/>
           </a:xfrm>
           <a:prstGeom prst="rect">
             <a:avLst/>
@@ -8781,7 +9558,7 @@
     </p:spTree>
     <p:extLst>
       <p:ext uri="{BB962C8B-B14F-4D97-AF65-F5344CB8AC3E}">
-        <p14:creationId xmlns:p14="http://schemas.microsoft.com/office/powerpoint/2010/main" val="2873619566"/>
+        <p14:creationId xmlns:p14="http://schemas.microsoft.com/office/powerpoint/2010/main" val="3691916463"/>
       </p:ext>
     </p:extLst>
   </p:cSld>
